--- a/Conference_Poster.pptx
+++ b/Conference_Poster.pptx
@@ -4537,7 +4537,7 @@
         <p:spPr bwMode="auto">
           <a:xfrm>
             <a:off x="254000" y="488950"/>
-            <a:ext cx="43230800" cy="4570413"/>
+            <a:ext cx="43230800" cy="4570482"/>
           </a:xfrm>
           <a:prstGeom prst="rect">
             <a:avLst/>
@@ -4685,32 +4685,20 @@
           <a:p>
             <a:pPr algn="ctr" eaLnBrk="1" hangingPunct="1"/>
             <a:r>
-              <a:rPr lang="en-US" altLang="ja-JP" b="1" dirty="0">
+              <a:rPr lang="en-US" b="1" dirty="0">
                 <a:solidFill>
                   <a:srgbClr val="0000FF"/>
                 </a:solidFill>
                 <a:latin typeface="Arial" charset="0"/>
               </a:rPr>
-              <a:t>Autistic and </a:t>
-            </a:r>
-            <a:r>
-              <a:rPr lang="en-US" altLang="ja-JP" b="1" dirty="0" err="1">
-                <a:solidFill>
-                  <a:srgbClr val="0000FF"/>
-                </a:solidFill>
-                <a:latin typeface="Arial" charset="0"/>
-              </a:rPr>
-              <a:t>Neurotypical</a:t>
-            </a:r>
-            <a:r>
-              <a:rPr lang="en-US" altLang="ja-JP" b="1" dirty="0">
-                <a:solidFill>
-                  <a:srgbClr val="0000FF"/>
-                </a:solidFill>
-                <a:latin typeface="Arial" charset="0"/>
-              </a:rPr>
-              <a:t> Children Both Over-Imitate</a:t>
-            </a:r>
+              <a:t>Textbooks Write More Positively About Autism Over Time</a:t>
+            </a:r>
+            <a:endParaRPr lang="en-US" altLang="ja-JP" b="1" dirty="0">
+              <a:solidFill>
+                <a:srgbClr val="0000FF"/>
+              </a:solidFill>
+              <a:latin typeface="Arial" charset="0"/>
+            </a:endParaRPr>
           </a:p>
           <a:p>
             <a:pPr algn="ctr" eaLnBrk="1" hangingPunct="1"/>
@@ -4811,8 +4799,8 @@
         </p:nvSpPr>
         <p:spPr bwMode="auto">
           <a:xfrm>
-            <a:off x="254000" y="5561543"/>
-            <a:ext cx="13488988" cy="20370192"/>
+            <a:off x="254000" y="5311505"/>
+            <a:ext cx="14490700" cy="12198724"/>
           </a:xfrm>
           <a:prstGeom prst="rect">
             <a:avLst/>
@@ -4837,7 +4825,7 @@
           </a:extLst>
         </p:spPr>
         <p:txBody>
-          <a:bodyPr>
+          <a:bodyPr wrap="square">
             <a:spAutoFit/>
           </a:bodyPr>
           <a:lstStyle>
@@ -4978,190 +4966,244 @@
               <a:rPr lang="en-US" sz="4500" dirty="0">
                 <a:latin typeface="Arial" charset="0"/>
               </a:rPr>
-              <a:t>You’ll have ~5 bullet points, each about 1 sentence in length. They should be complete sentences. You do not need additional citations, though you may decide that e.g., your backward article provides some context and wish therefore to include that as a parenthetical citation to one of the points you raise.</a:t>
-            </a:r>
-          </a:p>
-          <a:p>
-            <a:pPr marL="685800" indent="-548640" eaLnBrk="1" hangingPunct="1">
-              <a:lnSpc>
-                <a:spcPct val="90000"/>
-              </a:lnSpc>
-              <a:spcAft>
-                <a:spcPts val="0"/>
-              </a:spcAft>
-              <a:buFontTx/>
-              <a:buChar char="•"/>
-              <a:defRPr/>
-            </a:pPr>
+              <a:t>Both </a:t>
+            </a:r>
+            <a:r>
+              <a:rPr lang="en-US" sz="4500" b="1" dirty="0">
+                <a:latin typeface="Arial" charset="0"/>
+              </a:rPr>
+              <a:t>autistic</a:t>
+            </a:r>
             <a:r>
               <a:rPr lang="en-US" sz="4500" dirty="0">
                 <a:latin typeface="Arial" charset="0"/>
               </a:rPr>
-              <a:t>Begin big-picture in first bullet point, and then narrow to end with the specific question related to the particular study you will describe. Since you did not actually conduct this study, you can pose a question in the last bullet point: “Do autistic children expect . . . “ You may be able to work in the n’s into this question.</a:t>
-            </a:r>
-          </a:p>
-          <a:p>
-            <a:pPr marL="137160" eaLnBrk="1" hangingPunct="1">
-              <a:lnSpc>
-                <a:spcPct val="90000"/>
-              </a:lnSpc>
-              <a:defRPr/>
-            </a:pPr>
-            <a:endParaRPr lang="en-US" sz="4500" dirty="0">
+              <a:t> and </a:t>
+            </a:r>
+            <a:r>
+              <a:rPr lang="en-US" sz="4500" b="1" dirty="0">
+                <a:latin typeface="Arial" charset="0"/>
+              </a:rPr>
+              <a:t>transgender</a:t>
+            </a:r>
+            <a:r>
+              <a:rPr lang="en-US" sz="4500" dirty="0">
+                <a:latin typeface="Arial" charset="0"/>
+              </a:rPr>
+              <a:t> people are heavily </a:t>
+            </a:r>
+            <a:r>
+              <a:rPr lang="en-US" sz="4500" b="1" dirty="0">
+                <a:latin typeface="Arial" charset="0"/>
+              </a:rPr>
+              <a:t>stigmatized</a:t>
+            </a:r>
+            <a:r>
+              <a:rPr lang="en-US" sz="4500" dirty="0">
+                <a:latin typeface="Arial" charset="0"/>
+              </a:rPr>
+              <a:t> in society. </a:t>
+            </a:r>
+          </a:p>
+          <a:p>
+            <a:pPr marL="685800" indent="-685800" eaLnBrk="1" hangingPunct="1">
+              <a:spcBef>
+                <a:spcPct val="50000"/>
+              </a:spcBef>
+              <a:buFont typeface="Arial" panose="020B0604020202020204" pitchFamily="34" charset="0"/>
+              <a:buChar char="•"/>
+              <a:defRPr/>
+            </a:pPr>
+            <a:r>
+              <a:rPr lang="en-US" sz="4500" b="1" dirty="0">
+                <a:latin typeface="Arial" charset="0"/>
+              </a:rPr>
+              <a:t>Sentiment</a:t>
+            </a:r>
+            <a:r>
+              <a:rPr lang="en-US" sz="4500" dirty="0">
+                <a:latin typeface="Arial" charset="0"/>
+              </a:rPr>
+              <a:t> is how </a:t>
+            </a:r>
+            <a:r>
+              <a:rPr lang="en-US" sz="4500" b="1" dirty="0">
+                <a:latin typeface="Arial" charset="0"/>
+              </a:rPr>
+              <a:t>positive</a:t>
+            </a:r>
+            <a:r>
+              <a:rPr lang="en-US" sz="4500" dirty="0">
+                <a:latin typeface="Arial" charset="0"/>
+              </a:rPr>
+              <a:t> or </a:t>
+            </a:r>
+            <a:r>
+              <a:rPr lang="en-US" sz="4500" b="1" dirty="0">
+                <a:latin typeface="Arial" charset="0"/>
+              </a:rPr>
+              <a:t>negative</a:t>
+            </a:r>
+            <a:r>
+              <a:rPr lang="en-US" sz="4500" dirty="0">
+                <a:latin typeface="Arial" charset="0"/>
+              </a:rPr>
+              <a:t> one views a subject. </a:t>
+            </a:r>
+          </a:p>
+          <a:p>
+            <a:pPr marL="685800" indent="-685800" eaLnBrk="1" hangingPunct="1">
+              <a:spcBef>
+                <a:spcPct val="50000"/>
+              </a:spcBef>
+              <a:buFont typeface="Arial" panose="020B0604020202020204" pitchFamily="34" charset="0"/>
+              <a:buChar char="•"/>
+              <a:defRPr/>
+            </a:pPr>
+            <a:r>
+              <a:rPr lang="en-US" sz="4500" dirty="0">
+                <a:latin typeface="Arial" charset="0"/>
+              </a:rPr>
+              <a:t>Educational </a:t>
+            </a:r>
+            <a:r>
+              <a:rPr lang="en-US" sz="4500" b="1" dirty="0">
+                <a:latin typeface="Arial" charset="0"/>
+              </a:rPr>
+              <a:t>textbooks</a:t>
+            </a:r>
+            <a:r>
+              <a:rPr lang="en-US" sz="4500" dirty="0">
+                <a:latin typeface="Arial" charset="0"/>
+              </a:rPr>
+              <a:t> </a:t>
+            </a:r>
+            <a:r>
+              <a:rPr lang="en-US" sz="4500" b="1" dirty="0">
+                <a:latin typeface="Arial" charset="0"/>
+              </a:rPr>
+              <a:t>reflect</a:t>
+            </a:r>
+            <a:r>
+              <a:rPr lang="en-US" sz="4500" dirty="0">
+                <a:latin typeface="Arial" charset="0"/>
+              </a:rPr>
+              <a:t> societal sentiments, and have the </a:t>
+            </a:r>
+            <a:r>
+              <a:rPr lang="en-US" sz="4500" b="1" dirty="0">
+                <a:latin typeface="Arial" charset="0"/>
+              </a:rPr>
+              <a:t>power</a:t>
+            </a:r>
+            <a:r>
+              <a:rPr lang="en-US" sz="4500" dirty="0">
+                <a:latin typeface="Arial" charset="0"/>
+              </a:rPr>
+              <a:t> to </a:t>
+            </a:r>
+            <a:r>
+              <a:rPr lang="en-US" sz="4500" b="1" dirty="0">
+                <a:latin typeface="Arial" charset="0"/>
+              </a:rPr>
+              <a:t>affect</a:t>
+            </a:r>
+            <a:r>
+              <a:rPr lang="en-US" sz="4500" dirty="0">
+                <a:latin typeface="Arial" charset="0"/>
+              </a:rPr>
+              <a:t> the sentiments of future professionals working with these populations.</a:t>
+            </a:r>
+          </a:p>
+          <a:p>
+            <a:pPr marL="685800" indent="-685800" eaLnBrk="1" hangingPunct="1">
+              <a:spcBef>
+                <a:spcPct val="50000"/>
+              </a:spcBef>
+              <a:buFont typeface="Arial" panose="020B0604020202020204" pitchFamily="34" charset="0"/>
+              <a:buChar char="•"/>
+              <a:defRPr/>
+            </a:pPr>
+            <a:r>
+              <a:rPr lang="en-US" sz="4500" b="1" dirty="0">
+                <a:latin typeface="Arial" charset="0"/>
+              </a:rPr>
+              <a:t>Sentiment analysis </a:t>
+            </a:r>
+            <a:r>
+              <a:rPr lang="en-US" sz="4500" dirty="0">
+                <a:latin typeface="Arial" charset="0"/>
+              </a:rPr>
+              <a:t>is a </a:t>
+            </a:r>
+            <a:r>
+              <a:rPr lang="en-US" sz="4500" b="1" dirty="0">
+                <a:latin typeface="Arial" charset="0"/>
+              </a:rPr>
+              <a:t>computational</a:t>
+            </a:r>
+            <a:r>
+              <a:rPr lang="en-US" sz="4500" dirty="0">
+                <a:latin typeface="Arial" charset="0"/>
+              </a:rPr>
+              <a:t> method used to </a:t>
+            </a:r>
+            <a:r>
+              <a:rPr lang="en-US" sz="4500" b="1" dirty="0">
+                <a:latin typeface="Arial" charset="0"/>
+              </a:rPr>
+              <a:t>systematically</a:t>
+            </a:r>
+            <a:r>
+              <a:rPr lang="en-US" sz="4500" dirty="0">
+                <a:latin typeface="Arial" charset="0"/>
+              </a:rPr>
+              <a:t> determine the sentiment of a text. </a:t>
+            </a:r>
+            <a:endParaRPr lang="en-US" sz="4500" b="1" dirty="0">
               <a:latin typeface="Arial" charset="0"/>
             </a:endParaRPr>
           </a:p>
           <a:p>
-            <a:pPr marL="137160" eaLnBrk="1" hangingPunct="1">
-              <a:lnSpc>
-                <a:spcPct val="90000"/>
-              </a:lnSpc>
-              <a:defRPr/>
-            </a:pPr>
-            <a:endParaRPr lang="en-US" sz="4500" dirty="0">
-              <a:latin typeface="Arial" charset="0"/>
-            </a:endParaRPr>
-          </a:p>
-          <a:p>
-            <a:pPr marL="137160" eaLnBrk="1" hangingPunct="1">
-              <a:lnSpc>
-                <a:spcPct val="90000"/>
-              </a:lnSpc>
-              <a:defRPr/>
-            </a:pPr>
-            <a:endParaRPr lang="en-US" sz="4500" dirty="0">
-              <a:latin typeface="Arial" charset="0"/>
-            </a:endParaRPr>
-          </a:p>
-          <a:p>
-            <a:pPr marL="137160" eaLnBrk="1" hangingPunct="1">
-              <a:lnSpc>
-                <a:spcPct val="90000"/>
-              </a:lnSpc>
-              <a:defRPr/>
-            </a:pPr>
-            <a:endParaRPr lang="en-US" sz="4500" dirty="0">
-              <a:latin typeface="Arial" charset="0"/>
-            </a:endParaRPr>
-          </a:p>
-          <a:p>
-            <a:pPr marL="137160" eaLnBrk="1" hangingPunct="1">
-              <a:lnSpc>
-                <a:spcPct val="90000"/>
-              </a:lnSpc>
-              <a:defRPr/>
-            </a:pPr>
-            <a:endParaRPr lang="en-US" sz="4500" dirty="0">
-              <a:latin typeface="Arial" charset="0"/>
-            </a:endParaRPr>
-          </a:p>
-          <a:p>
-            <a:pPr marL="137160" eaLnBrk="1" hangingPunct="1">
-              <a:lnSpc>
-                <a:spcPct val="90000"/>
-              </a:lnSpc>
-              <a:defRPr/>
-            </a:pPr>
-            <a:endParaRPr lang="en-US" sz="4500" dirty="0">
-              <a:latin typeface="Arial" charset="0"/>
-            </a:endParaRPr>
-          </a:p>
-          <a:p>
-            <a:pPr marL="137160" eaLnBrk="1" hangingPunct="1">
-              <a:lnSpc>
-                <a:spcPct val="90000"/>
-              </a:lnSpc>
-              <a:defRPr/>
-            </a:pPr>
-            <a:endParaRPr lang="en-US" sz="4500" dirty="0">
-              <a:latin typeface="Arial" charset="0"/>
-            </a:endParaRPr>
-          </a:p>
-          <a:p>
-            <a:pPr marL="137160" eaLnBrk="1" hangingPunct="1">
-              <a:lnSpc>
-                <a:spcPct val="90000"/>
-              </a:lnSpc>
-              <a:defRPr/>
-            </a:pPr>
-            <a:endParaRPr lang="en-US" sz="4500" dirty="0">
-              <a:latin typeface="Arial" charset="0"/>
-            </a:endParaRPr>
-          </a:p>
-          <a:p>
-            <a:pPr marL="137160" eaLnBrk="1" hangingPunct="1">
-              <a:lnSpc>
-                <a:spcPct val="90000"/>
-              </a:lnSpc>
-              <a:defRPr/>
-            </a:pPr>
-            <a:endParaRPr lang="en-US" sz="4500" dirty="0">
-              <a:latin typeface="Arial" charset="0"/>
-            </a:endParaRPr>
-          </a:p>
-          <a:p>
-            <a:pPr marL="137160" eaLnBrk="1" hangingPunct="1">
-              <a:lnSpc>
-                <a:spcPct val="90000"/>
-              </a:lnSpc>
-              <a:defRPr/>
-            </a:pPr>
-            <a:endParaRPr lang="en-US" sz="4500" dirty="0">
-              <a:latin typeface="Arial" charset="0"/>
-            </a:endParaRPr>
-          </a:p>
-          <a:p>
-            <a:pPr marL="137160" eaLnBrk="1" hangingPunct="1">
-              <a:lnSpc>
-                <a:spcPct val="90000"/>
-              </a:lnSpc>
-              <a:defRPr/>
-            </a:pPr>
-            <a:endParaRPr lang="en-US" sz="4500" dirty="0">
-              <a:latin typeface="Arial" charset="0"/>
-            </a:endParaRPr>
-          </a:p>
-          <a:p>
-            <a:pPr marL="137160" eaLnBrk="1" hangingPunct="1">
-              <a:lnSpc>
-                <a:spcPct val="90000"/>
-              </a:lnSpc>
-              <a:defRPr/>
-            </a:pPr>
-            <a:endParaRPr lang="en-US" sz="4500" dirty="0">
-              <a:latin typeface="Arial" charset="0"/>
-            </a:endParaRPr>
-          </a:p>
-          <a:p>
-            <a:pPr marL="137160" eaLnBrk="1" hangingPunct="1">
-              <a:lnSpc>
-                <a:spcPct val="90000"/>
-              </a:lnSpc>
-              <a:defRPr/>
-            </a:pPr>
-            <a:endParaRPr lang="en-US" sz="4500" dirty="0">
-              <a:latin typeface="Arial" charset="0"/>
-            </a:endParaRPr>
-          </a:p>
-          <a:p>
-            <a:pPr marL="137160" eaLnBrk="1" hangingPunct="1">
-              <a:lnSpc>
-                <a:spcPct val="90000"/>
-              </a:lnSpc>
-              <a:defRPr/>
-            </a:pPr>
-            <a:endParaRPr lang="en-US" sz="4500" dirty="0">
-              <a:latin typeface="Arial" charset="0"/>
-            </a:endParaRPr>
-          </a:p>
-          <a:p>
-            <a:pPr marL="137160" eaLnBrk="1" hangingPunct="1">
-              <a:lnSpc>
-                <a:spcPct val="90000"/>
-              </a:lnSpc>
-              <a:defRPr/>
-            </a:pPr>
-            <a:endParaRPr lang="en-US" sz="4500" dirty="0">
+            <a:pPr marL="685800" indent="-685800" eaLnBrk="1" hangingPunct="1">
+              <a:spcBef>
+                <a:spcPct val="50000"/>
+              </a:spcBef>
+              <a:buFont typeface="Arial" panose="020B0604020202020204" pitchFamily="34" charset="0"/>
+              <a:buChar char="•"/>
+              <a:defRPr/>
+            </a:pPr>
+            <a:r>
+              <a:rPr lang="en-US" sz="4500" dirty="0">
+                <a:latin typeface="Arial" charset="0"/>
+              </a:rPr>
+              <a:t>Using sentiment analysis, we explored textbook sentiment regarding autistic and transgender people, both by </a:t>
+            </a:r>
+            <a:r>
+              <a:rPr lang="en-US" sz="4500" b="1" dirty="0">
+                <a:latin typeface="Arial" charset="0"/>
+              </a:rPr>
+              <a:t>subfield</a:t>
+            </a:r>
+            <a:r>
+              <a:rPr lang="en-US" sz="4500" dirty="0">
+                <a:latin typeface="Arial" charset="0"/>
+              </a:rPr>
+              <a:t> and across </a:t>
+            </a:r>
+            <a:r>
+              <a:rPr lang="en-US" sz="4500" b="1" dirty="0">
+                <a:latin typeface="Arial" charset="0"/>
+              </a:rPr>
+              <a:t>time</a:t>
+            </a:r>
+            <a:r>
+              <a:rPr lang="en-US" sz="4500" dirty="0">
+                <a:latin typeface="Arial" charset="0"/>
+              </a:rPr>
+              <a:t>. </a:t>
+            </a:r>
+            <a:endParaRPr lang="en-US" sz="800" dirty="0">
               <a:latin typeface="Arial" charset="0"/>
             </a:endParaRPr>
           </a:p>
@@ -5199,8 +5241,8 @@
         </p:nvSpPr>
         <p:spPr bwMode="auto">
           <a:xfrm>
-            <a:off x="15098713" y="2844800"/>
-            <a:ext cx="6417141" cy="923330"/>
+            <a:off x="16115191" y="2789099"/>
+            <a:ext cx="11803744" cy="1754326"/>
           </a:xfrm>
           <a:prstGeom prst="rect">
             <a:avLst/>
@@ -5344,400 +5386,40 @@
           <a:p>
             <a:pPr eaLnBrk="1" hangingPunct="1"/>
             <a:r>
-              <a:rPr lang="en-US" sz="5400" dirty="0">
+              <a:rPr lang="en-US" sz="5400" b="1" dirty="0">
                 <a:solidFill>
                   <a:srgbClr val="000000"/>
                 </a:solidFill>
                 <a:latin typeface="Arial" charset="0"/>
               </a:rPr>
-              <a:t>Alexander Maksiaev</a:t>
-            </a:r>
-          </a:p>
-        </p:txBody>
-      </p:sp>
-      <p:sp>
-        <p:nvSpPr>
-          <p:cNvPr id="15412" name="Text Box 176"/>
-          <p:cNvSpPr txBox="1">
-            <a:spLocks noChangeArrowheads="1"/>
-          </p:cNvSpPr>
-          <p:nvPr/>
-        </p:nvSpPr>
-        <p:spPr bwMode="auto">
-          <a:xfrm>
-            <a:off x="287337" y="29331662"/>
-            <a:ext cx="13488988" cy="3046988"/>
-          </a:xfrm>
-          <a:prstGeom prst="rect">
-            <a:avLst/>
-          </a:prstGeom>
-          <a:solidFill>
-            <a:schemeClr val="bg1"/>
-          </a:solidFill>
-          <a:ln>
-            <a:noFill/>
-          </a:ln>
-          <a:extLst>
-            <a:ext uri="{91240B29-F687-4f45-9708-019B960494DF}">
-              <a14:hiddenLine xmlns:a14="http://schemas.microsoft.com/office/drawing/2010/main" xmlns="" w="9525">
+              <a:t>Student: Alexander Maksiaev</a:t>
+            </a:r>
+          </a:p>
+          <a:p>
+            <a:pPr eaLnBrk="1" hangingPunct="1"/>
+            <a:r>
+              <a:rPr lang="en-US" sz="5400" b="1" dirty="0">
                 <a:solidFill>
                   <a:srgbClr val="000000"/>
-                </a:solidFill>
-                <a:miter lim="800000"/>
-                <a:headEnd/>
-                <a:tailEnd/>
-              </a14:hiddenLine>
-            </a:ext>
-          </a:extLst>
-        </p:spPr>
-        <p:txBody>
-          <a:bodyPr wrap="square">
-            <a:spAutoFit/>
-          </a:bodyPr>
-          <a:lstStyle>
-            <a:lvl1pPr eaLnBrk="0" hangingPunct="0">
-              <a:defRPr sz="8400">
-                <a:solidFill>
-                  <a:schemeClr val="tx1"/>
-                </a:solidFill>
-                <a:latin typeface="Times New Roman" charset="0"/>
-                <a:ea typeface="ＭＳ Ｐゴシック" charset="0"/>
-                <a:cs typeface="ＭＳ Ｐゴシック" charset="0"/>
-              </a:defRPr>
-            </a:lvl1pPr>
-            <a:lvl2pPr marL="742950" indent="-285750" eaLnBrk="0" hangingPunct="0">
-              <a:defRPr sz="8400">
-                <a:solidFill>
-                  <a:schemeClr val="tx1"/>
-                </a:solidFill>
-                <a:latin typeface="Times New Roman" charset="0"/>
-                <a:ea typeface="ＭＳ Ｐゴシック" charset="0"/>
-              </a:defRPr>
-            </a:lvl2pPr>
-            <a:lvl3pPr marL="1143000" indent="-228600" eaLnBrk="0" hangingPunct="0">
-              <a:defRPr sz="8400">
-                <a:solidFill>
-                  <a:schemeClr val="tx1"/>
-                </a:solidFill>
-                <a:latin typeface="Times New Roman" charset="0"/>
-                <a:ea typeface="ＭＳ Ｐゴシック" charset="0"/>
-              </a:defRPr>
-            </a:lvl3pPr>
-            <a:lvl4pPr marL="1600200" indent="-228600" eaLnBrk="0" hangingPunct="0">
-              <a:defRPr sz="8400">
-                <a:solidFill>
-                  <a:schemeClr val="tx1"/>
-                </a:solidFill>
-                <a:latin typeface="Times New Roman" charset="0"/>
-                <a:ea typeface="ＭＳ Ｐゴシック" charset="0"/>
-              </a:defRPr>
-            </a:lvl4pPr>
-            <a:lvl5pPr marL="2057400" indent="-228600" eaLnBrk="0" hangingPunct="0">
-              <a:defRPr sz="8400">
-                <a:solidFill>
-                  <a:schemeClr val="tx1"/>
-                </a:solidFill>
-                <a:latin typeface="Times New Roman" charset="0"/>
-                <a:ea typeface="ＭＳ Ｐゴシック" charset="0"/>
-              </a:defRPr>
-            </a:lvl5pPr>
-            <a:lvl6pPr marL="2514600" indent="-228600" eaLnBrk="0" fontAlgn="base" hangingPunct="0">
-              <a:spcBef>
-                <a:spcPct val="0"/>
-              </a:spcBef>
-              <a:spcAft>
-                <a:spcPct val="0"/>
-              </a:spcAft>
-              <a:defRPr sz="8400">
-                <a:solidFill>
-                  <a:schemeClr val="tx1"/>
-                </a:solidFill>
-                <a:latin typeface="Times New Roman" charset="0"/>
-                <a:ea typeface="ＭＳ Ｐゴシック" charset="0"/>
-              </a:defRPr>
-            </a:lvl6pPr>
-            <a:lvl7pPr marL="2971800" indent="-228600" eaLnBrk="0" fontAlgn="base" hangingPunct="0">
-              <a:spcBef>
-                <a:spcPct val="0"/>
-              </a:spcBef>
-              <a:spcAft>
-                <a:spcPct val="0"/>
-              </a:spcAft>
-              <a:defRPr sz="8400">
-                <a:solidFill>
-                  <a:schemeClr val="tx1"/>
-                </a:solidFill>
-                <a:latin typeface="Times New Roman" charset="0"/>
-                <a:ea typeface="ＭＳ Ｐゴシック" charset="0"/>
-              </a:defRPr>
-            </a:lvl7pPr>
-            <a:lvl8pPr marL="3429000" indent="-228600" eaLnBrk="0" fontAlgn="base" hangingPunct="0">
-              <a:spcBef>
-                <a:spcPct val="0"/>
-              </a:spcBef>
-              <a:spcAft>
-                <a:spcPct val="0"/>
-              </a:spcAft>
-              <a:defRPr sz="8400">
-                <a:solidFill>
-                  <a:schemeClr val="tx1"/>
-                </a:solidFill>
-                <a:latin typeface="Times New Roman" charset="0"/>
-                <a:ea typeface="ＭＳ Ｐゴシック" charset="0"/>
-              </a:defRPr>
-            </a:lvl8pPr>
-            <a:lvl9pPr marL="3886200" indent="-228600" eaLnBrk="0" fontAlgn="base" hangingPunct="0">
-              <a:spcBef>
-                <a:spcPct val="0"/>
-              </a:spcBef>
-              <a:spcAft>
-                <a:spcPct val="0"/>
-              </a:spcAft>
-              <a:defRPr sz="8400">
-                <a:solidFill>
-                  <a:schemeClr val="tx1"/>
-                </a:solidFill>
-                <a:latin typeface="Times New Roman" charset="0"/>
-                <a:ea typeface="ＭＳ Ｐゴシック" charset="0"/>
-              </a:defRPr>
-            </a:lvl9pPr>
-          </a:lstStyle>
-          <a:p>
-            <a:pPr algn="ctr" eaLnBrk="1" hangingPunct="1"/>
-            <a:r>
-              <a:rPr lang="en-US" sz="4800" b="1" dirty="0">
-                <a:solidFill>
-                  <a:srgbClr val="2E429D"/>
                 </a:solidFill>
                 <a:latin typeface="Arial" charset="0"/>
               </a:rPr>
-              <a:t>References</a:t>
-            </a:r>
-          </a:p>
-          <a:p>
-            <a:pPr eaLnBrk="1" hangingPunct="1"/>
-            <a:endParaRPr lang="en-US" sz="3600" dirty="0">
+              <a:t>Primary Advisor: Dr. Vikram </a:t>
+            </a:r>
+            <a:r>
+              <a:rPr lang="en-US" sz="5400" b="1" dirty="0" err="1">
+                <a:solidFill>
+                  <a:srgbClr val="000000"/>
+                </a:solidFill>
+                <a:latin typeface="Arial" charset="0"/>
+              </a:rPr>
+              <a:t>Jaswal</a:t>
+            </a:r>
+            <a:endParaRPr lang="en-US" sz="5400" b="1" dirty="0">
               <a:solidFill>
                 <a:srgbClr val="000000"/>
               </a:solidFill>
               <a:latin typeface="Arial" charset="0"/>
-            </a:endParaRPr>
-          </a:p>
-          <a:p>
-            <a:pPr eaLnBrk="1" hangingPunct="1"/>
-            <a:r>
-              <a:rPr lang="en-US" sz="3600" b="0" i="0" u="none" strike="noStrike" dirty="0">
-                <a:effectLst/>
-                <a:latin typeface="Arial" panose="020B0604020202020204" pitchFamily="34" charset="0"/>
-              </a:rPr>
-              <a:t>If you have references other than the article you are reporting on, they would go here (in APA format; </a:t>
-            </a:r>
-            <a:r>
-              <a:rPr lang="en-US" sz="3600" b="0" i="0" u="none" strike="noStrike" dirty="0" err="1">
-                <a:effectLst/>
-                <a:latin typeface="Arial" panose="020B0604020202020204" pitchFamily="34" charset="0"/>
-              </a:rPr>
-              <a:t>doi</a:t>
-            </a:r>
-            <a:r>
-              <a:rPr lang="en-US" sz="3600" b="0" i="0" u="none" strike="noStrike" dirty="0">
-                <a:effectLst/>
-                <a:latin typeface="Arial" panose="020B0604020202020204" pitchFamily="34" charset="0"/>
-              </a:rPr>
-              <a:t> not necessary).</a:t>
-            </a:r>
-            <a:endParaRPr lang="en-US" sz="3600" dirty="0">
-              <a:latin typeface="Arial" charset="0"/>
-            </a:endParaRPr>
-          </a:p>
-          <a:p>
-            <a:pPr eaLnBrk="1" hangingPunct="1"/>
-            <a:endParaRPr lang="en-US" sz="3600" dirty="0">
-              <a:solidFill>
-                <a:srgbClr val="000000"/>
-              </a:solidFill>
-              <a:latin typeface="Arial" charset="0"/>
-            </a:endParaRPr>
-          </a:p>
-        </p:txBody>
-      </p:sp>
-      <p:sp>
-        <p:nvSpPr>
-          <p:cNvPr id="6" name="TextBox 5">
-            <a:extLst>
-              <a:ext uri="{FF2B5EF4-FFF2-40B4-BE49-F238E27FC236}">
-                <a16:creationId xmlns:a16="http://schemas.microsoft.com/office/drawing/2014/main" id="{12BEF2C6-84B4-2B0E-283B-D27154FF062B}"/>
-              </a:ext>
-            </a:extLst>
-          </p:cNvPr>
-          <p:cNvSpPr txBox="1"/>
-          <p:nvPr/>
-        </p:nvSpPr>
-        <p:spPr>
-          <a:xfrm>
-            <a:off x="38183242" y="1505972"/>
-            <a:ext cx="3903633" cy="2123658"/>
-          </a:xfrm>
-          <a:prstGeom prst="rect">
-            <a:avLst/>
-          </a:prstGeom>
-          <a:noFill/>
-        </p:spPr>
-        <p:txBody>
-          <a:bodyPr wrap="none" rtlCol="0">
-            <a:spAutoFit/>
-          </a:bodyPr>
-          <a:lstStyle/>
-          <a:p>
-            <a:pPr algn="ctr"/>
-            <a:r>
-              <a:rPr lang="en-US" sz="6600" dirty="0">
-                <a:latin typeface="Arial" panose="020B0604020202020204" pitchFamily="34" charset="0"/>
-                <a:cs typeface="Arial" panose="020B0604020202020204" pitchFamily="34" charset="0"/>
-              </a:rPr>
-              <a:t>Psyc4155</a:t>
-            </a:r>
-          </a:p>
-          <a:p>
-            <a:pPr algn="ctr"/>
-            <a:r>
-              <a:rPr lang="en-US" sz="6600" dirty="0">
-                <a:latin typeface="Arial" panose="020B0604020202020204" pitchFamily="34" charset="0"/>
-                <a:cs typeface="Arial" panose="020B0604020202020204" pitchFamily="34" charset="0"/>
-              </a:rPr>
-              <a:t>Fall 2023</a:t>
-            </a:r>
-          </a:p>
-        </p:txBody>
-      </p:sp>
-      <p:sp>
-        <p:nvSpPr>
-          <p:cNvPr id="3" name="TextBox 2">
-            <a:extLst>
-              <a:ext uri="{FF2B5EF4-FFF2-40B4-BE49-F238E27FC236}">
-                <a16:creationId xmlns:a16="http://schemas.microsoft.com/office/drawing/2014/main" id="{3D55F10A-1946-C438-8851-1585B2A3D35D}"/>
-              </a:ext>
-            </a:extLst>
-          </p:cNvPr>
-          <p:cNvSpPr txBox="1"/>
-          <p:nvPr/>
-        </p:nvSpPr>
-        <p:spPr>
-          <a:xfrm>
-            <a:off x="44602401" y="767308"/>
-            <a:ext cx="6676386" cy="3416320"/>
-          </a:xfrm>
-          <a:prstGeom prst="rect">
-            <a:avLst/>
-          </a:prstGeom>
-          <a:noFill/>
-        </p:spPr>
-        <p:txBody>
-          <a:bodyPr wrap="square" rtlCol="0">
-            <a:spAutoFit/>
-          </a:bodyPr>
-          <a:lstStyle/>
-          <a:p>
-            <a:r>
-              <a:rPr lang="en-US" sz="3600" b="0" i="0" u="none" strike="noStrike" dirty="0">
-                <a:solidFill>
-                  <a:srgbClr val="FF0000"/>
-                </a:solidFill>
-                <a:effectLst/>
-                <a:latin typeface="Arial" panose="020B0604020202020204" pitchFamily="34" charset="0"/>
-              </a:rPr>
-              <a:t>Your title should capture the particular finding you will be highlighting. </a:t>
-            </a:r>
-            <a:r>
-              <a:rPr lang="en-US" sz="3600" b="1" i="0" u="none" strike="noStrike" dirty="0">
-                <a:solidFill>
-                  <a:srgbClr val="FF0000"/>
-                </a:solidFill>
-                <a:effectLst/>
-                <a:latin typeface="Arial" panose="020B0604020202020204" pitchFamily="34" charset="0"/>
-              </a:rPr>
-              <a:t>It is not the same as the title of the paper you read.</a:t>
-            </a:r>
-            <a:r>
-              <a:rPr lang="en-US" sz="3600" b="0" i="0" u="none" strike="noStrike" dirty="0">
-                <a:solidFill>
-                  <a:srgbClr val="FF0000"/>
-                </a:solidFill>
-                <a:effectLst/>
-                <a:latin typeface="Arial" panose="020B0604020202020204" pitchFamily="34" charset="0"/>
-              </a:rPr>
-              <a:t> It should be in the form of a declarative sentence</a:t>
-            </a:r>
-            <a:endParaRPr lang="en-US" sz="3600" dirty="0">
-              <a:solidFill>
-                <a:srgbClr val="FF0000"/>
-              </a:solidFill>
-            </a:endParaRPr>
-          </a:p>
-        </p:txBody>
-      </p:sp>
-      <p:sp>
-        <p:nvSpPr>
-          <p:cNvPr id="8" name="TextBox 7">
-            <a:extLst>
-              <a:ext uri="{FF2B5EF4-FFF2-40B4-BE49-F238E27FC236}">
-                <a16:creationId xmlns:a16="http://schemas.microsoft.com/office/drawing/2014/main" id="{2A7CA981-8283-6C43-30D5-A3F43777C338}"/>
-              </a:ext>
-            </a:extLst>
-          </p:cNvPr>
-          <p:cNvSpPr txBox="1"/>
-          <p:nvPr/>
-        </p:nvSpPr>
-        <p:spPr>
-          <a:xfrm>
-            <a:off x="-9815513" y="5916474"/>
-            <a:ext cx="8712200" cy="1754326"/>
-          </a:xfrm>
-          <a:prstGeom prst="rect">
-            <a:avLst/>
-          </a:prstGeom>
-          <a:noFill/>
-        </p:spPr>
-        <p:txBody>
-          <a:bodyPr wrap="square">
-            <a:spAutoFit/>
-          </a:bodyPr>
-          <a:lstStyle/>
-          <a:p>
-            <a:r>
-              <a:rPr lang="en-US" sz="3600" b="0" i="0" u="none" strike="noStrike" dirty="0">
-                <a:solidFill>
-                  <a:srgbClr val="FF0000"/>
-                </a:solidFill>
-                <a:effectLst/>
-                <a:latin typeface="Arial" panose="020B0604020202020204" pitchFamily="34" charset="0"/>
-              </a:rPr>
-              <a:t>You’ll simply have a box that lists in APA format the reference for the article you’re reporting on. (No need to include the </a:t>
-            </a:r>
-            <a:r>
-              <a:rPr lang="en-US" sz="3600" b="0" i="0" u="none" strike="noStrike" dirty="0" err="1">
-                <a:solidFill>
-                  <a:srgbClr val="FF0000"/>
-                </a:solidFill>
-                <a:effectLst/>
-                <a:latin typeface="Arial" panose="020B0604020202020204" pitchFamily="34" charset="0"/>
-              </a:rPr>
-              <a:t>doi</a:t>
-            </a:r>
-            <a:r>
-              <a:rPr lang="en-US" sz="3600" b="0" i="0" u="none" strike="noStrike" dirty="0">
-                <a:solidFill>
-                  <a:srgbClr val="FF0000"/>
-                </a:solidFill>
-                <a:effectLst/>
-                <a:latin typeface="Arial" panose="020B0604020202020204" pitchFamily="34" charset="0"/>
-              </a:rPr>
-              <a:t>.)</a:t>
-            </a:r>
-            <a:endParaRPr lang="en-US" sz="3600" dirty="0">
-              <a:solidFill>
-                <a:srgbClr val="FF0000"/>
-              </a:solidFill>
             </a:endParaRPr>
           </a:p>
         </p:txBody>
@@ -5758,8 +5440,8 @@
         </p:nvSpPr>
         <p:spPr bwMode="auto">
           <a:xfrm>
-            <a:off x="29363988" y="5561543"/>
-            <a:ext cx="14120812" cy="17169316"/>
+            <a:off x="254001" y="17762302"/>
+            <a:ext cx="14490700" cy="11352339"/>
           </a:xfrm>
           <a:prstGeom prst="rect">
             <a:avLst/>
@@ -5909,7 +5591,7 @@
                 </a:solidFill>
                 <a:latin typeface="Arial" charset="0"/>
               </a:rPr>
-              <a:t>Results</a:t>
+              <a:t>Results: Fields (Autism)</a:t>
             </a:r>
           </a:p>
           <a:p>
@@ -5941,14 +5623,42 @@
               <a:buChar char="•"/>
             </a:pPr>
             <a:r>
-              <a:rPr lang="en-US" sz="4500" b="0" i="0" u="none" strike="noStrike" dirty="0">
+              <a:rPr lang="en-US" sz="4500" b="1" i="0" u="none" strike="noStrike" dirty="0">
                 <a:solidFill>
                   <a:srgbClr val="000000"/>
                 </a:solidFill>
                 <a:effectLst/>
                 <a:latin typeface="Arial" panose="020B0604020202020204" pitchFamily="34" charset="0"/>
               </a:rPr>
-              <a:t>You will only be able to focus on at most 2-3 of the main findings, the important ones for purposes of what you found most interesting/surprising. </a:t>
+              <a:t>Abnormal psychology </a:t>
+            </a:r>
+            <a:r>
+              <a:rPr lang="en-US" sz="4500" b="0" i="0" u="none" strike="noStrike" dirty="0">
+                <a:solidFill>
+                  <a:srgbClr val="000000"/>
+                </a:solidFill>
+                <a:effectLst/>
+                <a:latin typeface="Arial" panose="020B0604020202020204" pitchFamily="34" charset="0"/>
+              </a:rPr>
+              <a:t>textbooks spok</a:t>
+            </a:r>
+            <a:r>
+              <a:rPr lang="en-US" sz="4500" dirty="0">
+                <a:solidFill>
+                  <a:srgbClr val="000000"/>
+                </a:solidFill>
+                <a:latin typeface="Arial" panose="020B0604020202020204" pitchFamily="34" charset="0"/>
+              </a:rPr>
+              <a:t>e about autism most </a:t>
+            </a:r>
+            <a:r>
+              <a:rPr lang="en-US" sz="4500" b="1" dirty="0">
+                <a:solidFill>
+                  <a:srgbClr val="000000"/>
+                </a:solidFill>
+                <a:latin typeface="Arial" panose="020B0604020202020204" pitchFamily="34" charset="0"/>
+              </a:rPr>
+              <a:t>negatively.</a:t>
             </a:r>
           </a:p>
           <a:p>
@@ -5963,34 +5673,31 @@
               <a:buChar char="•"/>
             </a:pPr>
             <a:r>
-              <a:rPr lang="en-US" sz="4500" b="0" i="0" u="none" strike="noStrike" dirty="0">
+              <a:rPr lang="en-US" sz="4500" b="1" dirty="0">
                 <a:solidFill>
                   <a:srgbClr val="000000"/>
                 </a:solidFill>
-                <a:effectLst/>
                 <a:latin typeface="Arial" panose="020B0604020202020204" pitchFamily="34" charset="0"/>
               </a:rPr>
-              <a:t>For the findings you choose to focus on: Figures! No tables! Just the most important results, graphed to make it clear and obvious. You may need to create figures from scratch, using excel (and the copy and paste into </a:t>
-            </a:r>
-            <a:r>
-              <a:rPr lang="en-US" sz="4500" b="0" i="0" u="none" strike="noStrike" dirty="0" err="1">
+              <a:t>Special education </a:t>
+            </a:r>
+            <a:r>
+              <a:rPr lang="en-US" sz="4500" dirty="0">
                 <a:solidFill>
                   <a:srgbClr val="000000"/>
                 </a:solidFill>
-                <a:effectLst/>
                 <a:latin typeface="Arial" panose="020B0604020202020204" pitchFamily="34" charset="0"/>
               </a:rPr>
-              <a:t>powerpoint</a:t>
-            </a:r>
-            <a:r>
-              <a:rPr lang="en-US" sz="4500" b="0" i="0" u="none" strike="noStrike" dirty="0">
+              <a:t>textbooks spoke about autism most </a:t>
+            </a:r>
+            <a:r>
+              <a:rPr lang="en-US" sz="4500" b="1" dirty="0">
                 <a:solidFill>
                   <a:srgbClr val="000000"/>
                 </a:solidFill>
-                <a:effectLst/>
                 <a:latin typeface="Arial" panose="020B0604020202020204" pitchFamily="34" charset="0"/>
               </a:rPr>
-              <a:t>).</a:t>
+              <a:t>positively. </a:t>
             </a:r>
           </a:p>
           <a:p>
@@ -6004,20 +5711,10 @@
               <a:buFont typeface="Arial" panose="020B0604020202020204" pitchFamily="34" charset="0"/>
               <a:buChar char="•"/>
             </a:pPr>
-            <a:r>
-              <a:rPr lang="en-US" sz="4500" dirty="0">
-                <a:solidFill>
-                  <a:srgbClr val="000000"/>
-                </a:solidFill>
-                <a:latin typeface="Arial" panose="020B0604020202020204" pitchFamily="34" charset="0"/>
-              </a:rPr>
-              <a:t>Don’t include statistics in the poster</a:t>
-            </a:r>
-            <a:endParaRPr lang="en-US" sz="4500" b="0" i="0" u="none" strike="noStrike" dirty="0">
+            <a:endParaRPr lang="en-US" sz="4500" b="1" dirty="0">
               <a:solidFill>
                 <a:srgbClr val="000000"/>
               </a:solidFill>
-              <a:effectLst/>
               <a:latin typeface="Arial" panose="020B0604020202020204" pitchFamily="34" charset="0"/>
             </a:endParaRPr>
           </a:p>
@@ -6032,16 +5729,12 @@
               <a:buFont typeface="Arial" panose="020B0604020202020204" pitchFamily="34" charset="0"/>
               <a:buChar char="•"/>
             </a:pPr>
-            <a:r>
-              <a:rPr lang="en-US" sz="4500" b="0" i="0" u="none" strike="noStrike" dirty="0">
-                <a:solidFill>
-                  <a:srgbClr val="000000"/>
-                </a:solidFill>
-                <a:effectLst/>
-                <a:latin typeface="Arial" panose="020B0604020202020204" pitchFamily="34" charset="0"/>
-              </a:rPr>
-              <a:t>Make sure that the graphs are large, well-designed, and clearly get across the result. Label your axes. If relevant, you can use * to indicate when something was different from chance or a * and bracket to indicate that two conditions differ from each other.</a:t>
-            </a:r>
+            <a:endParaRPr lang="en-US" sz="4500" b="1" dirty="0">
+              <a:solidFill>
+                <a:srgbClr val="000000"/>
+              </a:solidFill>
+              <a:latin typeface="Arial" panose="020B0604020202020204" pitchFamily="34" charset="0"/>
+            </a:endParaRPr>
           </a:p>
           <a:p>
             <a:pPr marL="571500" indent="-571500" rtl="0" fontAlgn="base">
@@ -6054,18 +5747,110 @@
               <a:buFont typeface="Arial" panose="020B0604020202020204" pitchFamily="34" charset="0"/>
               <a:buChar char="•"/>
             </a:pPr>
-            <a:r>
-              <a:rPr lang="en-US" sz="4500" b="0" i="0" u="none" strike="noStrike" dirty="0">
-                <a:solidFill>
-                  <a:srgbClr val="000000"/>
-                </a:solidFill>
-                <a:effectLst/>
-                <a:latin typeface="Arial" panose="020B0604020202020204" pitchFamily="34" charset="0"/>
-              </a:rPr>
-              <a:t>Avoid text! Get things across visually! You can include a bullet point above (or below) each figure that declaratively states what someone should notice from the graph: E.g., “Autistics were more likely than NTs to notice the . . .” </a:t>
-            </a:r>
             <a:endParaRPr lang="en-US" sz="4500" dirty="0">
-              <a:latin typeface="Arial" charset="0"/>
+              <a:solidFill>
+                <a:srgbClr val="000000"/>
+              </a:solidFill>
+              <a:latin typeface="Arial" panose="020B0604020202020204" pitchFamily="34" charset="0"/>
+            </a:endParaRPr>
+          </a:p>
+          <a:p>
+            <a:pPr rtl="0" fontAlgn="base">
+              <a:spcBef>
+                <a:spcPts val="0"/>
+              </a:spcBef>
+              <a:spcAft>
+                <a:spcPts val="0"/>
+              </a:spcAft>
+            </a:pPr>
+            <a:endParaRPr lang="en-US" sz="4500" dirty="0">
+              <a:solidFill>
+                <a:srgbClr val="000000"/>
+              </a:solidFill>
+              <a:latin typeface="Arial" panose="020B0604020202020204" pitchFamily="34" charset="0"/>
+            </a:endParaRPr>
+          </a:p>
+          <a:p>
+            <a:pPr rtl="0" fontAlgn="base">
+              <a:spcBef>
+                <a:spcPts val="0"/>
+              </a:spcBef>
+              <a:spcAft>
+                <a:spcPts val="0"/>
+              </a:spcAft>
+            </a:pPr>
+            <a:endParaRPr lang="en-US" sz="4500" dirty="0">
+              <a:solidFill>
+                <a:srgbClr val="000000"/>
+              </a:solidFill>
+              <a:latin typeface="Arial" panose="020B0604020202020204" pitchFamily="34" charset="0"/>
+            </a:endParaRPr>
+          </a:p>
+          <a:p>
+            <a:pPr rtl="0" fontAlgn="base">
+              <a:spcBef>
+                <a:spcPts val="0"/>
+              </a:spcBef>
+              <a:spcAft>
+                <a:spcPts val="0"/>
+              </a:spcAft>
+            </a:pPr>
+            <a:endParaRPr lang="en-US" sz="4500" dirty="0">
+              <a:solidFill>
+                <a:srgbClr val="000000"/>
+              </a:solidFill>
+              <a:latin typeface="Arial" panose="020B0604020202020204" pitchFamily="34" charset="0"/>
+            </a:endParaRPr>
+          </a:p>
+          <a:p>
+            <a:pPr rtl="0" fontAlgn="base">
+              <a:spcBef>
+                <a:spcPts val="0"/>
+              </a:spcBef>
+              <a:spcAft>
+                <a:spcPts val="0"/>
+              </a:spcAft>
+            </a:pPr>
+            <a:endParaRPr lang="en-US" sz="4500" dirty="0">
+              <a:solidFill>
+                <a:srgbClr val="000000"/>
+              </a:solidFill>
+              <a:latin typeface="Arial" panose="020B0604020202020204" pitchFamily="34" charset="0"/>
+            </a:endParaRPr>
+          </a:p>
+          <a:p>
+            <a:pPr rtl="0" fontAlgn="base">
+              <a:spcBef>
+                <a:spcPts val="0"/>
+              </a:spcBef>
+              <a:spcAft>
+                <a:spcPts val="0"/>
+              </a:spcAft>
+            </a:pPr>
+            <a:endParaRPr lang="en-US" sz="1800" b="0" i="0" u="none" strike="noStrike" dirty="0">
+              <a:solidFill>
+                <a:srgbClr val="000000"/>
+              </a:solidFill>
+              <a:effectLst/>
+              <a:latin typeface="Arial" panose="020B0604020202020204" pitchFamily="34" charset="0"/>
+            </a:endParaRPr>
+          </a:p>
+          <a:p>
+            <a:pPr marL="571500" indent="-571500" rtl="0" fontAlgn="base">
+              <a:spcBef>
+                <a:spcPts val="0"/>
+              </a:spcBef>
+              <a:spcAft>
+                <a:spcPts val="0"/>
+              </a:spcAft>
+              <a:buFont typeface="Arial" panose="020B0604020202020204" pitchFamily="34" charset="0"/>
+              <a:buChar char="•"/>
+            </a:pPr>
+            <a:endParaRPr lang="en-US" sz="4500" dirty="0">
+              <a:solidFill>
+                <a:srgbClr val="000000"/>
+              </a:solidFill>
+              <a:latin typeface="Arial" panose="020B0604020202020204" pitchFamily="34" charset="0"/>
             </a:endParaRPr>
           </a:p>
           <a:p>
@@ -6084,30 +5869,6 @@
               <a:lnSpc>
                 <a:spcPct val="90000"/>
               </a:lnSpc>
-              <a:defRPr/>
-            </a:pPr>
-            <a:endParaRPr lang="en-US" sz="4500" dirty="0">
-              <a:latin typeface="Arial" charset="0"/>
-            </a:endParaRPr>
-          </a:p>
-          <a:p>
-            <a:pPr marL="137160" eaLnBrk="1" hangingPunct="1">
-              <a:lnSpc>
-                <a:spcPct val="90000"/>
-              </a:lnSpc>
-              <a:defRPr/>
-            </a:pPr>
-            <a:endParaRPr lang="en-US" sz="4500" dirty="0">
-              <a:latin typeface="Arial" charset="0"/>
-            </a:endParaRPr>
-          </a:p>
-          <a:p>
-            <a:pPr marL="422910" indent="-285750" eaLnBrk="1" hangingPunct="1">
-              <a:lnSpc>
-                <a:spcPct val="90000"/>
-              </a:lnSpc>
-              <a:buFont typeface="Arial" panose="020B0604020202020204" pitchFamily="34" charset="0"/>
-              <a:buChar char="•"/>
               <a:defRPr/>
             </a:pPr>
             <a:endParaRPr lang="en-US" sz="1400" dirty="0">
@@ -6145,8 +5906,8 @@
         </p:nvSpPr>
         <p:spPr bwMode="auto">
           <a:xfrm>
-            <a:off x="29363988" y="29036556"/>
-            <a:ext cx="14120812" cy="3154710"/>
+            <a:off x="254000" y="30659735"/>
+            <a:ext cx="43230800" cy="1769715"/>
           </a:xfrm>
           <a:prstGeom prst="rect">
             <a:avLst/>
@@ -6293,36 +6054,102 @@
               </a:rPr>
               <a:t>Conclusion</a:t>
             </a:r>
-            <a:endParaRPr lang="en-US" sz="6400" b="1" dirty="0">
+            <a:endParaRPr lang="en-US" sz="4500" b="1" dirty="0">
               <a:solidFill>
-                <a:srgbClr val="2E429D"/>
+                <a:srgbClr val="000000"/>
               </a:solidFill>
               <a:latin typeface="Arial" charset="0"/>
             </a:endParaRPr>
           </a:p>
           <a:p>
-            <a:pPr eaLnBrk="1" hangingPunct="1"/>
+            <a:pPr algn="ctr" eaLnBrk="1" hangingPunct="1"/>
+            <a:r>
+              <a:rPr lang="en-US" sz="4500" b="1" dirty="0">
+                <a:solidFill>
+                  <a:srgbClr val="000000"/>
+                </a:solidFill>
+                <a:latin typeface="Arial" charset="0"/>
+              </a:rPr>
+              <a:t>T</a:t>
+            </a:r>
+            <a:r>
+              <a:rPr lang="en-US" sz="4500" dirty="0">
+                <a:solidFill>
+                  <a:srgbClr val="000000"/>
+                </a:solidFill>
+                <a:latin typeface="Arial" charset="0"/>
+              </a:rPr>
+              <a:t>extbooks write more </a:t>
+            </a:r>
+            <a:r>
+              <a:rPr lang="en-US" sz="4500" b="1" dirty="0">
+                <a:solidFill>
+                  <a:srgbClr val="000000"/>
+                </a:solidFill>
+                <a:latin typeface="Arial" charset="0"/>
+              </a:rPr>
+              <a:t>positively</a:t>
+            </a:r>
+            <a:r>
+              <a:rPr lang="en-US" sz="4500" dirty="0">
+                <a:solidFill>
+                  <a:srgbClr val="000000"/>
+                </a:solidFill>
+                <a:latin typeface="Arial" charset="0"/>
+              </a:rPr>
+              <a:t> about </a:t>
+            </a:r>
+            <a:r>
+              <a:rPr lang="en-US" sz="4500" b="1" dirty="0">
+                <a:solidFill>
+                  <a:srgbClr val="000000"/>
+                </a:solidFill>
+                <a:latin typeface="Arial" charset="0"/>
+              </a:rPr>
+              <a:t>autistic</a:t>
+            </a:r>
+            <a:r>
+              <a:rPr lang="en-US" sz="4500" dirty="0">
+                <a:solidFill>
+                  <a:srgbClr val="000000"/>
+                </a:solidFill>
+                <a:latin typeface="Arial" charset="0"/>
+              </a:rPr>
+              <a:t> people over time, while textbook sentiment regarding </a:t>
+            </a:r>
+            <a:r>
+              <a:rPr lang="en-US" sz="4500" b="1" dirty="0">
+                <a:solidFill>
+                  <a:srgbClr val="000000"/>
+                </a:solidFill>
+                <a:latin typeface="Arial" charset="0"/>
+              </a:rPr>
+              <a:t>transgender</a:t>
+            </a:r>
+            <a:r>
+              <a:rPr lang="en-US" sz="4500" dirty="0">
+                <a:solidFill>
+                  <a:srgbClr val="000000"/>
+                </a:solidFill>
+                <a:latin typeface="Arial" charset="0"/>
+              </a:rPr>
+              <a:t> people has </a:t>
+            </a:r>
+            <a:r>
+              <a:rPr lang="en-US" sz="4500" b="1" dirty="0">
+                <a:solidFill>
+                  <a:srgbClr val="000000"/>
+                </a:solidFill>
+                <a:latin typeface="Arial" charset="0"/>
+              </a:rPr>
+              <a:t>not significantly changed.</a:t>
+            </a:r>
             <a:endParaRPr lang="en-US" sz="4500" dirty="0">
               <a:solidFill>
                 <a:srgbClr val="000000"/>
               </a:solidFill>
               <a:latin typeface="Arial" charset="0"/>
             </a:endParaRPr>
-          </a:p>
-          <a:p>
-            <a:pPr marL="685800" indent="-685800" eaLnBrk="1" hangingPunct="1">
-              <a:buFont typeface="Arial" panose="020B0604020202020204" pitchFamily="34" charset="0"/>
-              <a:buChar char="•"/>
-            </a:pPr>
-            <a:r>
-              <a:rPr lang="en-US" sz="4500" dirty="0">
-                <a:solidFill>
-                  <a:srgbClr val="000000"/>
-                </a:solidFill>
-                <a:latin typeface="Arial" charset="0"/>
-              </a:rPr>
-              <a:t>One-sentence that sums up what the take-home point is.</a:t>
-            </a:r>
           </a:p>
         </p:txBody>
       </p:sp>
@@ -6342,8 +6169,8 @@
         </p:nvSpPr>
         <p:spPr bwMode="auto">
           <a:xfrm>
-            <a:off x="14527213" y="5507038"/>
-            <a:ext cx="14120812" cy="26684228"/>
+            <a:off x="15146723" y="5311505"/>
+            <a:ext cx="7015477" cy="12157174"/>
           </a:xfrm>
           <a:prstGeom prst="rect">
             <a:avLst/>
@@ -6505,11 +6332,10 @@
                 <a:spcPts val="0"/>
               </a:spcAft>
             </a:pPr>
-            <a:endParaRPr lang="en-US" sz="4400" b="0" i="0" u="none" strike="noStrike" dirty="0">
+            <a:endParaRPr lang="en-US" sz="4500" dirty="0">
               <a:solidFill>
                 <a:srgbClr val="000000"/>
               </a:solidFill>
-              <a:effectLst/>
               <a:latin typeface="Arial" panose="020B0604020202020204" pitchFamily="34" charset="0"/>
             </a:endParaRPr>
           </a:p>
@@ -6525,14 +6351,31 @@
               <a:buChar char="•"/>
             </a:pPr>
             <a:r>
-              <a:rPr lang="en-US" sz="4500" b="0" i="0" u="none" strike="noStrike" dirty="0">
+              <a:rPr lang="en-US" sz="4500" dirty="0">
                 <a:solidFill>
                   <a:srgbClr val="000000"/>
                 </a:solidFill>
-                <a:effectLst/>
                 <a:latin typeface="Arial" panose="020B0604020202020204" pitchFamily="34" charset="0"/>
               </a:rPr>
-              <a:t>Avoid text (except to clarify, and then use sparingly). </a:t>
+              <a:t>The sentiment analysis method used matters. VADER-like dictionary results differ significantly from </a:t>
+            </a:r>
+            <a:r>
+              <a:rPr lang="en-US" sz="4500" dirty="0" err="1">
+                <a:solidFill>
+                  <a:srgbClr val="000000"/>
+                </a:solidFill>
+                <a:latin typeface="Arial" panose="020B0604020202020204" pitchFamily="34" charset="0"/>
+              </a:rPr>
+              <a:t>SentiWordsNet</a:t>
+            </a:r>
+            <a:r>
+              <a:rPr lang="en-US" sz="4500" dirty="0">
+                <a:solidFill>
+                  <a:srgbClr val="000000"/>
+                </a:solidFill>
+                <a:latin typeface="Arial" panose="020B0604020202020204" pitchFamily="34" charset="0"/>
+              </a:rPr>
+              <a:t> and ChatGPT. </a:t>
             </a:r>
           </a:p>
           <a:p>
@@ -6547,14 +6390,13 @@
               <a:buChar char="•"/>
             </a:pPr>
             <a:r>
-              <a:rPr lang="en-US" sz="4500" b="0" i="0" u="none" strike="noStrike" dirty="0">
+              <a:rPr lang="en-US" sz="4500" dirty="0">
                 <a:solidFill>
                   <a:srgbClr val="000000"/>
                 </a:solidFill>
-                <a:effectLst/>
                 <a:latin typeface="Arial" panose="020B0604020202020204" pitchFamily="34" charset="0"/>
               </a:rPr>
-              <a:t>Use SIMPLE pictures, graphics, representations of the method and procedures to the extent possible. Make them big, high quality, and make them easy to understand. What did the procedure look like in overview form? Or from the point of view of a participant?</a:t>
+              <a:t>Sentiment was rated from -4 (most negative) to +4 (most positive). </a:t>
             </a:r>
           </a:p>
           <a:p>
@@ -6569,14 +6411,13 @@
               <a:buChar char="•"/>
             </a:pPr>
             <a:r>
-              <a:rPr lang="en-US" sz="4500" b="0" i="0" u="none" strike="noStrike" dirty="0">
+              <a:rPr lang="en-US" sz="4500" dirty="0">
                 <a:solidFill>
                   <a:srgbClr val="000000"/>
                 </a:solidFill>
-                <a:effectLst/>
                 <a:latin typeface="Arial" panose="020B0604020202020204" pitchFamily="34" charset="0"/>
               </a:rPr>
-              <a:t>Why use pictures? Because what’s likely to happen in the poster session is that you’ll use them to illustrate the procedure while you give the spiel. </a:t>
+              <a:t>ChatGPT was chosen for further analysis because it is the only method which accounted for context.</a:t>
             </a:r>
           </a:p>
           <a:p>
@@ -6590,16 +6431,290 @@
               <a:buFont typeface="Arial" panose="020B0604020202020204" pitchFamily="34" charset="0"/>
               <a:buChar char="•"/>
             </a:pPr>
-            <a:r>
-              <a:rPr lang="en-US" sz="4500" b="0" i="0" u="none" strike="noStrike" dirty="0">
+            <a:endParaRPr lang="en-US" sz="4500" dirty="0">
+              <a:solidFill>
+                <a:srgbClr val="000000"/>
+              </a:solidFill>
+              <a:latin typeface="Arial" panose="020B0604020202020204" pitchFamily="34" charset="0"/>
+            </a:endParaRPr>
+          </a:p>
+        </p:txBody>
+      </p:sp>
+      <p:pic>
+        <p:nvPicPr>
+          <p:cNvPr id="2" name="Picture 509" descr="rolg_blueseal_sc.fh.tif                                        00033A04Macintosh HD                   B5E539BA:">
+            <a:extLst>
+              <a:ext uri="{FF2B5EF4-FFF2-40B4-BE49-F238E27FC236}">
+                <a16:creationId xmlns:a16="http://schemas.microsoft.com/office/drawing/2014/main" id="{1E2E0A92-6ADD-3E6D-FE61-C2BC95B30CCE}"/>
+              </a:ext>
+            </a:extLst>
+          </p:cNvPr>
+          <p:cNvPicPr>
+            <a:picLocks noChangeAspect="1" noChangeArrowheads="1"/>
+          </p:cNvPicPr>
+          <p:nvPr/>
+        </p:nvPicPr>
+        <p:blipFill>
+          <a:blip r:embed="rId3">
+            <a:extLst>
+              <a:ext uri="{28A0092B-C50C-407E-A947-70E740481C1C}">
+                <a14:useLocalDpi xmlns:a14="http://schemas.microsoft.com/office/drawing/2010/main" val="0"/>
+              </a:ext>
+            </a:extLst>
+          </a:blip>
+          <a:srcRect/>
+          <a:stretch>
+            <a:fillRect/>
+          </a:stretch>
+        </p:blipFill>
+        <p:spPr bwMode="auto">
+          <a:xfrm>
+            <a:off x="38069837" y="881891"/>
+            <a:ext cx="3840163" cy="3784600"/>
+          </a:xfrm>
+          <a:prstGeom prst="rect">
+            <a:avLst/>
+          </a:prstGeom>
+          <a:noFill/>
+          <a:ln>
+            <a:noFill/>
+          </a:ln>
+          <a:extLst>
+            <a:ext uri="{909E8E84-426E-40dd-AFC4-6F175D3DCCD1}">
+              <a14:hiddenFill xmlns:a14="http://schemas.microsoft.com/office/drawing/2010/main" xmlns="">
+                <a:solidFill>
+                  <a:srgbClr val="FFFFFF"/>
+                </a:solidFill>
+              </a14:hiddenFill>
+            </a:ext>
+            <a:ext uri="{91240B29-F687-4f45-9708-019B960494DF}">
+              <a14:hiddenLine xmlns:a14="http://schemas.microsoft.com/office/drawing/2010/main" xmlns="" w="9525">
                 <a:solidFill>
                   <a:srgbClr val="000000"/>
                 </a:solidFill>
-                <a:effectLst/>
-                <a:latin typeface="Arial" panose="020B0604020202020204" pitchFamily="34" charset="0"/>
+                <a:miter lim="800000"/>
+                <a:headEnd/>
+                <a:tailEnd/>
+              </a14:hiddenLine>
+            </a:ext>
+          </a:extLst>
+        </p:spPr>
+      </p:pic>
+      <p:pic>
+        <p:nvPicPr>
+          <p:cNvPr id="28" name="Picture 27">
+            <a:extLst>
+              <a:ext uri="{FF2B5EF4-FFF2-40B4-BE49-F238E27FC236}">
+                <a16:creationId xmlns:a16="http://schemas.microsoft.com/office/drawing/2014/main" id="{A2C64AEE-67DD-7283-5392-EAB09865B5CA}"/>
+              </a:ext>
+            </a:extLst>
+          </p:cNvPr>
+          <p:cNvPicPr>
+            <a:picLocks noChangeAspect="1"/>
+          </p:cNvPicPr>
+          <p:nvPr/>
+        </p:nvPicPr>
+        <p:blipFill rotWithShape="1">
+          <a:blip r:embed="rId4"/>
+          <a:srcRect l="5916" t="5028" r="7361" b="2074"/>
+          <a:stretch/>
+        </p:blipFill>
+        <p:spPr>
+          <a:xfrm>
+            <a:off x="22564223" y="5317499"/>
+            <a:ext cx="20991928" cy="12151179"/>
+          </a:xfrm>
+          <a:prstGeom prst="rect">
+            <a:avLst/>
+          </a:prstGeom>
+        </p:spPr>
+      </p:pic>
+      <p:sp>
+        <p:nvSpPr>
+          <p:cNvPr id="29" name="Text Box 176">
+            <a:extLst>
+              <a:ext uri="{FF2B5EF4-FFF2-40B4-BE49-F238E27FC236}">
+                <a16:creationId xmlns:a16="http://schemas.microsoft.com/office/drawing/2014/main" id="{D251B00F-0716-3AF3-E6ED-8A483245889F}"/>
+              </a:ext>
+            </a:extLst>
+          </p:cNvPr>
+          <p:cNvSpPr txBox="1">
+            <a:spLocks noChangeArrowheads="1"/>
+          </p:cNvSpPr>
+          <p:nvPr/>
+        </p:nvSpPr>
+        <p:spPr bwMode="auto">
+          <a:xfrm>
+            <a:off x="15111891" y="17692931"/>
+            <a:ext cx="13189152" cy="11352339"/>
+          </a:xfrm>
+          <a:prstGeom prst="rect">
+            <a:avLst/>
+          </a:prstGeom>
+          <a:solidFill>
+            <a:schemeClr val="bg1"/>
+          </a:solidFill>
+          <a:ln>
+            <a:noFill/>
+          </a:ln>
+          <a:extLst>
+            <a:ext uri="{91240B29-F687-4f45-9708-019B960494DF}">
+              <a14:hiddenLine xmlns:a14="http://schemas.microsoft.com/office/drawing/2010/main" xmlns="" w="9525">
+                <a:solidFill>
+                  <a:srgbClr val="000000"/>
+                </a:solidFill>
+                <a:miter lim="800000"/>
+                <a:headEnd/>
+                <a:tailEnd/>
+              </a14:hiddenLine>
+            </a:ext>
+          </a:extLst>
+        </p:spPr>
+        <p:txBody>
+          <a:bodyPr wrap="square">
+            <a:spAutoFit/>
+          </a:bodyPr>
+          <a:lstStyle>
+            <a:lvl1pPr eaLnBrk="0" hangingPunct="0">
+              <a:defRPr sz="8400">
+                <a:solidFill>
+                  <a:schemeClr val="tx1"/>
+                </a:solidFill>
+                <a:latin typeface="Times New Roman" charset="0"/>
+                <a:ea typeface="ＭＳ Ｐゴシック" charset="0"/>
+                <a:cs typeface="ＭＳ Ｐゴシック" charset="0"/>
+              </a:defRPr>
+            </a:lvl1pPr>
+            <a:lvl2pPr marL="742950" indent="-285750" eaLnBrk="0" hangingPunct="0">
+              <a:defRPr sz="8400">
+                <a:solidFill>
+                  <a:schemeClr val="tx1"/>
+                </a:solidFill>
+                <a:latin typeface="Times New Roman" charset="0"/>
+                <a:ea typeface="ＭＳ Ｐゴシック" charset="0"/>
+              </a:defRPr>
+            </a:lvl2pPr>
+            <a:lvl3pPr marL="1143000" indent="-228600" eaLnBrk="0" hangingPunct="0">
+              <a:defRPr sz="8400">
+                <a:solidFill>
+                  <a:schemeClr val="tx1"/>
+                </a:solidFill>
+                <a:latin typeface="Times New Roman" charset="0"/>
+                <a:ea typeface="ＭＳ Ｐゴシック" charset="0"/>
+              </a:defRPr>
+            </a:lvl3pPr>
+            <a:lvl4pPr marL="1600200" indent="-228600" eaLnBrk="0" hangingPunct="0">
+              <a:defRPr sz="8400">
+                <a:solidFill>
+                  <a:schemeClr val="tx1"/>
+                </a:solidFill>
+                <a:latin typeface="Times New Roman" charset="0"/>
+                <a:ea typeface="ＭＳ Ｐゴシック" charset="0"/>
+              </a:defRPr>
+            </a:lvl4pPr>
+            <a:lvl5pPr marL="2057400" indent="-228600" eaLnBrk="0" hangingPunct="0">
+              <a:defRPr sz="8400">
+                <a:solidFill>
+                  <a:schemeClr val="tx1"/>
+                </a:solidFill>
+                <a:latin typeface="Times New Roman" charset="0"/>
+                <a:ea typeface="ＭＳ Ｐゴシック" charset="0"/>
+              </a:defRPr>
+            </a:lvl5pPr>
+            <a:lvl6pPr marL="2514600" indent="-228600" eaLnBrk="0" fontAlgn="base" hangingPunct="0">
+              <a:spcBef>
+                <a:spcPct val="0"/>
+              </a:spcBef>
+              <a:spcAft>
+                <a:spcPct val="0"/>
+              </a:spcAft>
+              <a:defRPr sz="8400">
+                <a:solidFill>
+                  <a:schemeClr val="tx1"/>
+                </a:solidFill>
+                <a:latin typeface="Times New Roman" charset="0"/>
+                <a:ea typeface="ＭＳ Ｐゴシック" charset="0"/>
+              </a:defRPr>
+            </a:lvl6pPr>
+            <a:lvl7pPr marL="2971800" indent="-228600" eaLnBrk="0" fontAlgn="base" hangingPunct="0">
+              <a:spcBef>
+                <a:spcPct val="0"/>
+              </a:spcBef>
+              <a:spcAft>
+                <a:spcPct val="0"/>
+              </a:spcAft>
+              <a:defRPr sz="8400">
+                <a:solidFill>
+                  <a:schemeClr val="tx1"/>
+                </a:solidFill>
+                <a:latin typeface="Times New Roman" charset="0"/>
+                <a:ea typeface="ＭＳ Ｐゴシック" charset="0"/>
+              </a:defRPr>
+            </a:lvl7pPr>
+            <a:lvl8pPr marL="3429000" indent="-228600" eaLnBrk="0" fontAlgn="base" hangingPunct="0">
+              <a:spcBef>
+                <a:spcPct val="0"/>
+              </a:spcBef>
+              <a:spcAft>
+                <a:spcPct val="0"/>
+              </a:spcAft>
+              <a:defRPr sz="8400">
+                <a:solidFill>
+                  <a:schemeClr val="tx1"/>
+                </a:solidFill>
+                <a:latin typeface="Times New Roman" charset="0"/>
+                <a:ea typeface="ＭＳ Ｐゴシック" charset="0"/>
+              </a:defRPr>
+            </a:lvl8pPr>
+            <a:lvl9pPr marL="3886200" indent="-228600" eaLnBrk="0" fontAlgn="base" hangingPunct="0">
+              <a:spcBef>
+                <a:spcPct val="0"/>
+              </a:spcBef>
+              <a:spcAft>
+                <a:spcPct val="0"/>
+              </a:spcAft>
+              <a:defRPr sz="8400">
+                <a:solidFill>
+                  <a:schemeClr val="tx1"/>
+                </a:solidFill>
+                <a:latin typeface="Times New Roman" charset="0"/>
+                <a:ea typeface="ＭＳ Ｐゴシック" charset="0"/>
+              </a:defRPr>
+            </a:lvl9pPr>
+          </a:lstStyle>
+          <a:p>
+            <a:pPr algn="ctr" eaLnBrk="1" hangingPunct="1">
+              <a:spcBef>
+                <a:spcPct val="50000"/>
+              </a:spcBef>
+              <a:defRPr/>
+            </a:pPr>
+            <a:r>
+              <a:rPr lang="en-US" sz="6400" b="1" dirty="0">
+                <a:solidFill>
+                  <a:srgbClr val="0000FF"/>
+                </a:solidFill>
+                <a:latin typeface="Arial" charset="0"/>
               </a:rPr>
-              <a:t>So you may need to make figures from scratch, revise some that were included in the paper, . . .</a:t>
-            </a:r>
+              <a:t>Results: Fields (Autism)</a:t>
+            </a:r>
+          </a:p>
+          <a:p>
+            <a:pPr rtl="0" fontAlgn="base">
+              <a:spcBef>
+                <a:spcPts val="0"/>
+              </a:spcBef>
+              <a:spcAft>
+                <a:spcPts val="0"/>
+              </a:spcAft>
+            </a:pPr>
+            <a:endParaRPr lang="en-US" sz="4400" b="0" i="0" u="none" strike="noStrike" dirty="0">
+              <a:solidFill>
+                <a:srgbClr val="000000"/>
+              </a:solidFill>
+              <a:effectLst/>
+              <a:latin typeface="Arial" panose="020B0604020202020204" pitchFamily="34" charset="0"/>
+            </a:endParaRPr>
           </a:p>
           <a:p>
             <a:pPr marL="571500" indent="-571500" rtl="0" fontAlgn="base">
@@ -6620,14 +6735,33 @@
                 <a:effectLst/>
                 <a:latin typeface="Arial" panose="020B0604020202020204" pitchFamily="34" charset="0"/>
               </a:rPr>
-              <a:t>You may need to include brief text that explains that the dependent variable was—</a:t>
-            </a:r>
-            <a:endParaRPr lang="en-US" sz="4500" b="0" i="0" u="none" strike="noStrike" dirty="0">
+              <a:t>Across time, most fields did </a:t>
+            </a:r>
+            <a:r>
+              <a:rPr lang="en-US" sz="4500" b="1" i="0" u="none" strike="noStrike" dirty="0">
+                <a:solidFill>
+                  <a:srgbClr val="000000"/>
+                </a:solidFill>
+                <a:effectLst/>
+                <a:latin typeface="Arial" panose="020B0604020202020204" pitchFamily="34" charset="0"/>
+              </a:rPr>
+              <a:t>not</a:t>
+            </a:r>
+            <a:r>
+              <a:rPr lang="en-US" sz="4500" b="0" i="0" u="none" strike="noStrike" dirty="0">
+                <a:solidFill>
+                  <a:srgbClr val="000000"/>
+                </a:solidFill>
+                <a:effectLst/>
+                <a:latin typeface="Arial" panose="020B0604020202020204" pitchFamily="34" charset="0"/>
+              </a:rPr>
+              <a:t> show a significant change. </a:t>
+            </a:r>
+            <a:endParaRPr lang="en-US" sz="4500" dirty="0">
               <a:solidFill>
                 <a:srgbClr val="000000"/>
               </a:solidFill>
-              <a:effectLst/>
-              <a:latin typeface="Arial" charset="0"/>
+              <a:latin typeface="Arial" panose="020B0604020202020204" pitchFamily="34" charset="0"/>
             </a:endParaRPr>
           </a:p>
           <a:p>
@@ -6641,12 +6775,56 @@
               <a:buFont typeface="Arial" panose="020B0604020202020204" pitchFamily="34" charset="0"/>
               <a:buChar char="•"/>
             </a:pPr>
-            <a:endParaRPr lang="en-US" sz="4500" dirty="0">
-              <a:solidFill>
-                <a:srgbClr val="000000"/>
-              </a:solidFill>
-              <a:latin typeface="Arial" charset="0"/>
-            </a:endParaRPr>
+            <a:r>
+              <a:rPr lang="en-US" sz="4500" b="0" i="0" u="none" strike="noStrike" dirty="0">
+                <a:solidFill>
+                  <a:srgbClr val="000000"/>
+                </a:solidFill>
+                <a:effectLst/>
+                <a:latin typeface="Arial" panose="020B0604020202020204" pitchFamily="34" charset="0"/>
+              </a:rPr>
+              <a:t>However, developmental psychology, neuroscience, and special education </a:t>
+            </a:r>
+            <a:r>
+              <a:rPr lang="en-US" sz="4500" b="1" i="0" u="none" strike="noStrike" dirty="0">
+                <a:solidFill>
+                  <a:srgbClr val="000000"/>
+                </a:solidFill>
+                <a:effectLst/>
+                <a:latin typeface="Arial" panose="020B0604020202020204" pitchFamily="34" charset="0"/>
+              </a:rPr>
+              <a:t>all</a:t>
+            </a:r>
+            <a:r>
+              <a:rPr lang="en-US" sz="4500" b="0" i="0" u="none" strike="noStrike" dirty="0">
+                <a:solidFill>
+                  <a:srgbClr val="000000"/>
+                </a:solidFill>
+                <a:effectLst/>
+                <a:latin typeface="Arial" panose="020B0604020202020204" pitchFamily="34" charset="0"/>
+              </a:rPr>
+              <a:t> showed a </a:t>
+            </a:r>
+            <a:r>
+              <a:rPr lang="en-US" sz="4500" b="1" i="0" u="none" strike="noStrike" dirty="0">
+                <a:solidFill>
+                  <a:srgbClr val="000000"/>
+                </a:solidFill>
+                <a:effectLst/>
+                <a:latin typeface="Arial" panose="020B0604020202020204" pitchFamily="34" charset="0"/>
+              </a:rPr>
+              <a:t>significant increase </a:t>
+            </a:r>
+            <a:r>
+              <a:rPr lang="en-US" sz="4500" b="0" i="0" u="none" strike="noStrike" dirty="0">
+                <a:solidFill>
+                  <a:srgbClr val="000000"/>
+                </a:solidFill>
+                <a:effectLst/>
+                <a:latin typeface="Arial" panose="020B0604020202020204" pitchFamily="34" charset="0"/>
+              </a:rPr>
+              <a:t>in sentiment. </a:t>
+            </a:r>
           </a:p>
           <a:p>
             <a:pPr marL="571500" indent="-571500" rtl="0" fontAlgn="base">
@@ -6659,12 +6837,11 @@
               <a:buFont typeface="Arial" panose="020B0604020202020204" pitchFamily="34" charset="0"/>
               <a:buChar char="•"/>
             </a:pPr>
-            <a:endParaRPr lang="en-US" sz="4500" b="0" i="0" u="none" strike="noStrike" dirty="0">
+            <a:endParaRPr lang="en-US" sz="4500" dirty="0">
               <a:solidFill>
                 <a:srgbClr val="000000"/>
               </a:solidFill>
-              <a:effectLst/>
-              <a:latin typeface="Arial" charset="0"/>
+              <a:latin typeface="Arial" panose="020B0604020202020204" pitchFamily="34" charset="0"/>
             </a:endParaRPr>
           </a:p>
           <a:p>
@@ -6678,11 +6855,360 @@
               <a:buFont typeface="Arial" panose="020B0604020202020204" pitchFamily="34" charset="0"/>
               <a:buChar char="•"/>
             </a:pPr>
-            <a:endParaRPr lang="en-US" sz="4500" dirty="0">
+            <a:endParaRPr lang="en-US" sz="4500" b="0" i="0" u="none" strike="noStrike" dirty="0">
               <a:solidFill>
                 <a:srgbClr val="000000"/>
               </a:solidFill>
+              <a:effectLst/>
+              <a:latin typeface="Arial" panose="020B0604020202020204" pitchFamily="34" charset="0"/>
+            </a:endParaRPr>
+          </a:p>
+          <a:p>
+            <a:pPr marL="137160" eaLnBrk="1" hangingPunct="1">
+              <a:lnSpc>
+                <a:spcPct val="90000"/>
+              </a:lnSpc>
+              <a:defRPr/>
+            </a:pPr>
+            <a:endParaRPr lang="en-US" sz="4500" dirty="0">
               <a:latin typeface="Arial" charset="0"/>
+            </a:endParaRPr>
+          </a:p>
+          <a:p>
+            <a:pPr marL="137160" eaLnBrk="1" hangingPunct="1">
+              <a:lnSpc>
+                <a:spcPct val="90000"/>
+              </a:lnSpc>
+              <a:defRPr/>
+            </a:pPr>
+            <a:endParaRPr lang="en-US" sz="4500" dirty="0">
+              <a:latin typeface="Arial" charset="0"/>
+            </a:endParaRPr>
+          </a:p>
+          <a:p>
+            <a:pPr marL="137160" eaLnBrk="1" hangingPunct="1">
+              <a:lnSpc>
+                <a:spcPct val="90000"/>
+              </a:lnSpc>
+              <a:defRPr/>
+            </a:pPr>
+            <a:endParaRPr lang="en-US" sz="4500" dirty="0">
+              <a:latin typeface="Arial" charset="0"/>
+            </a:endParaRPr>
+          </a:p>
+          <a:p>
+            <a:pPr marL="137160" eaLnBrk="1" hangingPunct="1">
+              <a:lnSpc>
+                <a:spcPct val="90000"/>
+              </a:lnSpc>
+              <a:defRPr/>
+            </a:pPr>
+            <a:endParaRPr lang="en-US" sz="4500" dirty="0">
+              <a:latin typeface="Arial" charset="0"/>
+            </a:endParaRPr>
+          </a:p>
+          <a:p>
+            <a:pPr marL="137160" eaLnBrk="1" hangingPunct="1">
+              <a:lnSpc>
+                <a:spcPct val="90000"/>
+              </a:lnSpc>
+              <a:defRPr/>
+            </a:pPr>
+            <a:endParaRPr lang="en-US" sz="4500" dirty="0">
+              <a:latin typeface="Arial" charset="0"/>
+            </a:endParaRPr>
+          </a:p>
+          <a:p>
+            <a:pPr marL="137160" eaLnBrk="1" hangingPunct="1">
+              <a:lnSpc>
+                <a:spcPct val="90000"/>
+              </a:lnSpc>
+              <a:defRPr/>
+            </a:pPr>
+            <a:endParaRPr lang="en-US" sz="4500" dirty="0">
+              <a:latin typeface="Arial" charset="0"/>
+            </a:endParaRPr>
+          </a:p>
+          <a:p>
+            <a:pPr marL="137160" eaLnBrk="1" hangingPunct="1">
+              <a:lnSpc>
+                <a:spcPct val="90000"/>
+              </a:lnSpc>
+              <a:defRPr/>
+            </a:pPr>
+            <a:endParaRPr lang="en-US" sz="4500" dirty="0">
+              <a:latin typeface="Arial" charset="0"/>
+            </a:endParaRPr>
+          </a:p>
+          <a:p>
+            <a:pPr marL="137160" eaLnBrk="1" hangingPunct="1">
+              <a:lnSpc>
+                <a:spcPct val="90000"/>
+              </a:lnSpc>
+              <a:defRPr/>
+            </a:pPr>
+            <a:endParaRPr lang="en-US" sz="1400" dirty="0">
+              <a:latin typeface="Arial" charset="0"/>
+            </a:endParaRPr>
+          </a:p>
+          <a:p>
+            <a:pPr marL="422910" indent="-285750" eaLnBrk="1" hangingPunct="1">
+              <a:lnSpc>
+                <a:spcPct val="90000"/>
+              </a:lnSpc>
+              <a:buFont typeface="Arial" panose="020B0604020202020204" pitchFamily="34" charset="0"/>
+              <a:buChar char="•"/>
+              <a:defRPr/>
+            </a:pPr>
+            <a:endParaRPr lang="en-US" sz="1400" dirty="0">
+              <a:latin typeface="Arial" charset="0"/>
+            </a:endParaRPr>
+          </a:p>
+        </p:txBody>
+      </p:sp>
+      <p:pic>
+        <p:nvPicPr>
+          <p:cNvPr id="24" name="Picture 23">
+            <a:extLst>
+              <a:ext uri="{FF2B5EF4-FFF2-40B4-BE49-F238E27FC236}">
+                <a16:creationId xmlns:a16="http://schemas.microsoft.com/office/drawing/2014/main" id="{5610D854-568D-B958-BFFA-FE5FFF5EF57A}"/>
+              </a:ext>
+            </a:extLst>
+          </p:cNvPr>
+          <p:cNvPicPr>
+            <a:picLocks noChangeAspect="1"/>
+          </p:cNvPicPr>
+          <p:nvPr/>
+        </p:nvPicPr>
+        <p:blipFill rotWithShape="1">
+          <a:blip r:embed="rId5"/>
+          <a:srcRect l="7361" t="5629" r="5916" b="2221"/>
+          <a:stretch/>
+        </p:blipFill>
+        <p:spPr>
+          <a:xfrm>
+            <a:off x="15111888" y="23136561"/>
+            <a:ext cx="13189151" cy="7007167"/>
+          </a:xfrm>
+          <a:prstGeom prst="rect">
+            <a:avLst/>
+          </a:prstGeom>
+        </p:spPr>
+      </p:pic>
+      <p:pic>
+        <p:nvPicPr>
+          <p:cNvPr id="31" name="Picture 30">
+            <a:extLst>
+              <a:ext uri="{FF2B5EF4-FFF2-40B4-BE49-F238E27FC236}">
+                <a16:creationId xmlns:a16="http://schemas.microsoft.com/office/drawing/2014/main" id="{B9F3EDD4-3163-D411-ED17-D16311842BB5}"/>
+              </a:ext>
+            </a:extLst>
+          </p:cNvPr>
+          <p:cNvPicPr>
+            <a:picLocks noChangeAspect="1"/>
+          </p:cNvPicPr>
+          <p:nvPr/>
+        </p:nvPicPr>
+        <p:blipFill rotWithShape="1">
+          <a:blip r:embed="rId6"/>
+          <a:srcRect l="6668" t="6429" r="6206" b="2889"/>
+          <a:stretch/>
+        </p:blipFill>
+        <p:spPr>
+          <a:xfrm>
+            <a:off x="264675" y="22587241"/>
+            <a:ext cx="14480025" cy="7535522"/>
+          </a:xfrm>
+          <a:prstGeom prst="rect">
+            <a:avLst/>
+          </a:prstGeom>
+        </p:spPr>
+      </p:pic>
+      <p:sp>
+        <p:nvSpPr>
+          <p:cNvPr id="32" name="Text Box 176">
+            <a:extLst>
+              <a:ext uri="{FF2B5EF4-FFF2-40B4-BE49-F238E27FC236}">
+                <a16:creationId xmlns:a16="http://schemas.microsoft.com/office/drawing/2014/main" id="{D7388E4A-698B-E011-E38E-E0BF96398FC2}"/>
+              </a:ext>
+            </a:extLst>
+          </p:cNvPr>
+          <p:cNvSpPr txBox="1">
+            <a:spLocks noChangeArrowheads="1"/>
+          </p:cNvSpPr>
+          <p:nvPr/>
+        </p:nvSpPr>
+        <p:spPr bwMode="auto">
+          <a:xfrm>
+            <a:off x="28668226" y="17744848"/>
+            <a:ext cx="14887925" cy="11380038"/>
+          </a:xfrm>
+          <a:prstGeom prst="rect">
+            <a:avLst/>
+          </a:prstGeom>
+          <a:solidFill>
+            <a:schemeClr val="bg1"/>
+          </a:solidFill>
+          <a:ln>
+            <a:noFill/>
+          </a:ln>
+          <a:extLst>
+            <a:ext uri="{91240B29-F687-4f45-9708-019B960494DF}">
+              <a14:hiddenLine xmlns:a14="http://schemas.microsoft.com/office/drawing/2010/main" xmlns="" w="9525">
+                <a:solidFill>
+                  <a:srgbClr val="000000"/>
+                </a:solidFill>
+                <a:miter lim="800000"/>
+                <a:headEnd/>
+                <a:tailEnd/>
+              </a14:hiddenLine>
+            </a:ext>
+          </a:extLst>
+        </p:spPr>
+        <p:txBody>
+          <a:bodyPr wrap="square">
+            <a:spAutoFit/>
+          </a:bodyPr>
+          <a:lstStyle>
+            <a:lvl1pPr eaLnBrk="0" hangingPunct="0">
+              <a:defRPr sz="8400">
+                <a:solidFill>
+                  <a:schemeClr val="tx1"/>
+                </a:solidFill>
+                <a:latin typeface="Times New Roman" charset="0"/>
+                <a:ea typeface="ＭＳ Ｐゴシック" charset="0"/>
+                <a:cs typeface="ＭＳ Ｐゴシック" charset="0"/>
+              </a:defRPr>
+            </a:lvl1pPr>
+            <a:lvl2pPr marL="742950" indent="-285750" eaLnBrk="0" hangingPunct="0">
+              <a:defRPr sz="8400">
+                <a:solidFill>
+                  <a:schemeClr val="tx1"/>
+                </a:solidFill>
+                <a:latin typeface="Times New Roman" charset="0"/>
+                <a:ea typeface="ＭＳ Ｐゴシック" charset="0"/>
+              </a:defRPr>
+            </a:lvl2pPr>
+            <a:lvl3pPr marL="1143000" indent="-228600" eaLnBrk="0" hangingPunct="0">
+              <a:defRPr sz="8400">
+                <a:solidFill>
+                  <a:schemeClr val="tx1"/>
+                </a:solidFill>
+                <a:latin typeface="Times New Roman" charset="0"/>
+                <a:ea typeface="ＭＳ Ｐゴシック" charset="0"/>
+              </a:defRPr>
+            </a:lvl3pPr>
+            <a:lvl4pPr marL="1600200" indent="-228600" eaLnBrk="0" hangingPunct="0">
+              <a:defRPr sz="8400">
+                <a:solidFill>
+                  <a:schemeClr val="tx1"/>
+                </a:solidFill>
+                <a:latin typeface="Times New Roman" charset="0"/>
+                <a:ea typeface="ＭＳ Ｐゴシック" charset="0"/>
+              </a:defRPr>
+            </a:lvl4pPr>
+            <a:lvl5pPr marL="2057400" indent="-228600" eaLnBrk="0" hangingPunct="0">
+              <a:defRPr sz="8400">
+                <a:solidFill>
+                  <a:schemeClr val="tx1"/>
+                </a:solidFill>
+                <a:latin typeface="Times New Roman" charset="0"/>
+                <a:ea typeface="ＭＳ Ｐゴシック" charset="0"/>
+              </a:defRPr>
+            </a:lvl5pPr>
+            <a:lvl6pPr marL="2514600" indent="-228600" eaLnBrk="0" fontAlgn="base" hangingPunct="0">
+              <a:spcBef>
+                <a:spcPct val="0"/>
+              </a:spcBef>
+              <a:spcAft>
+                <a:spcPct val="0"/>
+              </a:spcAft>
+              <a:defRPr sz="8400">
+                <a:solidFill>
+                  <a:schemeClr val="tx1"/>
+                </a:solidFill>
+                <a:latin typeface="Times New Roman" charset="0"/>
+                <a:ea typeface="ＭＳ Ｐゴシック" charset="0"/>
+              </a:defRPr>
+            </a:lvl6pPr>
+            <a:lvl7pPr marL="2971800" indent="-228600" eaLnBrk="0" fontAlgn="base" hangingPunct="0">
+              <a:spcBef>
+                <a:spcPct val="0"/>
+              </a:spcBef>
+              <a:spcAft>
+                <a:spcPct val="0"/>
+              </a:spcAft>
+              <a:defRPr sz="8400">
+                <a:solidFill>
+                  <a:schemeClr val="tx1"/>
+                </a:solidFill>
+                <a:latin typeface="Times New Roman" charset="0"/>
+                <a:ea typeface="ＭＳ Ｐゴシック" charset="0"/>
+              </a:defRPr>
+            </a:lvl7pPr>
+            <a:lvl8pPr marL="3429000" indent="-228600" eaLnBrk="0" fontAlgn="base" hangingPunct="0">
+              <a:spcBef>
+                <a:spcPct val="0"/>
+              </a:spcBef>
+              <a:spcAft>
+                <a:spcPct val="0"/>
+              </a:spcAft>
+              <a:defRPr sz="8400">
+                <a:solidFill>
+                  <a:schemeClr val="tx1"/>
+                </a:solidFill>
+                <a:latin typeface="Times New Roman" charset="0"/>
+                <a:ea typeface="ＭＳ Ｐゴシック" charset="0"/>
+              </a:defRPr>
+            </a:lvl8pPr>
+            <a:lvl9pPr marL="3886200" indent="-228600" eaLnBrk="0" fontAlgn="base" hangingPunct="0">
+              <a:spcBef>
+                <a:spcPct val="0"/>
+              </a:spcBef>
+              <a:spcAft>
+                <a:spcPct val="0"/>
+              </a:spcAft>
+              <a:defRPr sz="8400">
+                <a:solidFill>
+                  <a:schemeClr val="tx1"/>
+                </a:solidFill>
+                <a:latin typeface="Times New Roman" charset="0"/>
+                <a:ea typeface="ＭＳ Ｐゴシック" charset="0"/>
+              </a:defRPr>
+            </a:lvl9pPr>
+          </a:lstStyle>
+          <a:p>
+            <a:pPr algn="ctr" eaLnBrk="1" hangingPunct="1">
+              <a:spcBef>
+                <a:spcPct val="50000"/>
+              </a:spcBef>
+              <a:defRPr/>
+            </a:pPr>
+            <a:r>
+              <a:rPr lang="en-US" sz="6400" b="1" dirty="0">
+                <a:solidFill>
+                  <a:srgbClr val="0000FF"/>
+                </a:solidFill>
+                <a:latin typeface="Arial" charset="0"/>
+              </a:rPr>
+              <a:t>Results: Autism vs. Transgender</a:t>
+            </a:r>
+          </a:p>
+          <a:p>
+            <a:pPr rtl="0" fontAlgn="base">
+              <a:spcBef>
+                <a:spcPts val="0"/>
+              </a:spcBef>
+              <a:spcAft>
+                <a:spcPts val="0"/>
+              </a:spcAft>
+            </a:pPr>
+            <a:endParaRPr lang="en-US" sz="4400" b="0" i="0" u="none" strike="noStrike" dirty="0">
+              <a:solidFill>
+                <a:srgbClr val="000000"/>
+              </a:solidFill>
+              <a:effectLst/>
+              <a:latin typeface="Arial" panose="020B0604020202020204" pitchFamily="34" charset="0"/>
             </a:endParaRPr>
           </a:p>
           <a:p>
@@ -6696,16 +7222,18 @@
               <a:buFont typeface="Arial" panose="020B0604020202020204" pitchFamily="34" charset="0"/>
               <a:buChar char="•"/>
             </a:pPr>
-            <a:endParaRPr lang="en-US" sz="4500" b="0" i="0" u="none" strike="noStrike" dirty="0">
-              <a:solidFill>
-                <a:srgbClr val="000000"/>
-              </a:solidFill>
-              <a:effectLst/>
-              <a:latin typeface="Arial" charset="0"/>
-            </a:endParaRPr>
-          </a:p>
-          <a:p>
-            <a:pPr marL="571500" indent="-571500" rtl="0" fontAlgn="base">
+            <a:r>
+              <a:rPr lang="en-US" sz="4500" dirty="0">
+                <a:solidFill>
+                  <a:srgbClr val="000000"/>
+                </a:solidFill>
+                <a:latin typeface="Arial" panose="020B0604020202020204" pitchFamily="34" charset="0"/>
+              </a:rPr>
+              <a:t>Overall, across all fields:</a:t>
+            </a:r>
+          </a:p>
+          <a:p>
+            <a:pPr marL="1314450" lvl="1" indent="-571500">
               <a:spcBef>
                 <a:spcPts val="0"/>
               </a:spcBef>
@@ -6715,15 +7243,49 @@
               <a:buFont typeface="Arial" panose="020B0604020202020204" pitchFamily="34" charset="0"/>
               <a:buChar char="•"/>
             </a:pPr>
-            <a:endParaRPr lang="en-US" sz="4500" dirty="0">
-              <a:solidFill>
-                <a:srgbClr val="000000"/>
-              </a:solidFill>
-              <a:latin typeface="Arial" charset="0"/>
-            </a:endParaRPr>
-          </a:p>
-          <a:p>
-            <a:pPr marL="571500" indent="-571500" rtl="0" fontAlgn="base">
+            <a:r>
+              <a:rPr lang="en-US" sz="4500" b="0" i="0" u="none" strike="noStrike" dirty="0">
+                <a:solidFill>
+                  <a:srgbClr val="000000"/>
+                </a:solidFill>
+                <a:effectLst/>
+                <a:latin typeface="Arial" panose="020B0604020202020204" pitchFamily="34" charset="0"/>
+              </a:rPr>
+              <a:t>Sentiment regarding </a:t>
+            </a:r>
+            <a:r>
+              <a:rPr lang="en-US" sz="4500" b="1" i="0" u="none" strike="noStrike" dirty="0">
+                <a:solidFill>
+                  <a:srgbClr val="000000"/>
+                </a:solidFill>
+                <a:effectLst/>
+                <a:latin typeface="Arial" panose="020B0604020202020204" pitchFamily="34" charset="0"/>
+              </a:rPr>
+              <a:t>transgender</a:t>
+            </a:r>
+            <a:r>
+              <a:rPr lang="en-US" sz="4500" b="0" i="0" u="none" strike="noStrike" dirty="0">
+                <a:solidFill>
+                  <a:srgbClr val="000000"/>
+                </a:solidFill>
+                <a:effectLst/>
+                <a:latin typeface="Arial" panose="020B0604020202020204" pitchFamily="34" charset="0"/>
+              </a:rPr>
+              <a:t> </a:t>
+            </a:r>
+            <a:r>
+              <a:rPr lang="en-US" sz="4500" b="1" i="0" u="none" strike="noStrike" dirty="0">
+                <a:solidFill>
+                  <a:srgbClr val="000000"/>
+                </a:solidFill>
+                <a:effectLst/>
+                <a:latin typeface="Arial" panose="020B0604020202020204" pitchFamily="34" charset="0"/>
+              </a:rPr>
+              <a:t>people stayed the same. </a:t>
+            </a:r>
+          </a:p>
+          <a:p>
+            <a:pPr marL="1314450" lvl="1" indent="-571500">
               <a:spcBef>
                 <a:spcPts val="0"/>
               </a:spcBef>
@@ -6733,312 +7295,398 @@
               <a:buFont typeface="Arial" panose="020B0604020202020204" pitchFamily="34" charset="0"/>
               <a:buChar char="•"/>
             </a:pPr>
-            <a:endParaRPr lang="en-US" sz="4500" b="0" i="0" u="none" strike="noStrike" dirty="0">
-              <a:solidFill>
-                <a:srgbClr val="000000"/>
-              </a:solidFill>
-              <a:effectLst/>
+            <a:r>
+              <a:rPr lang="en-US" sz="4500" b="0" i="0" u="none" strike="noStrike" dirty="0">
+                <a:solidFill>
+                  <a:srgbClr val="000000"/>
+                </a:solidFill>
+                <a:effectLst/>
+                <a:latin typeface="Arial" panose="020B0604020202020204" pitchFamily="34" charset="0"/>
+              </a:rPr>
+              <a:t>Sentiment regarding </a:t>
+            </a:r>
+            <a:r>
+              <a:rPr lang="en-US" sz="4500" b="1" i="0" u="none" strike="noStrike" dirty="0">
+                <a:solidFill>
+                  <a:srgbClr val="000000"/>
+                </a:solidFill>
+                <a:effectLst/>
+                <a:latin typeface="Arial" panose="020B0604020202020204" pitchFamily="34" charset="0"/>
+              </a:rPr>
+              <a:t>autistic</a:t>
+            </a:r>
+            <a:r>
+              <a:rPr lang="en-US" sz="4500" b="0" i="0" u="none" strike="noStrike" dirty="0">
+                <a:solidFill>
+                  <a:srgbClr val="000000"/>
+                </a:solidFill>
+                <a:effectLst/>
+                <a:latin typeface="Arial" panose="020B0604020202020204" pitchFamily="34" charset="0"/>
+              </a:rPr>
+              <a:t> people </a:t>
+            </a:r>
+            <a:r>
+              <a:rPr lang="en-US" sz="4500" b="1" i="0" u="none" strike="noStrike" dirty="0">
+                <a:solidFill>
+                  <a:srgbClr val="000000"/>
+                </a:solidFill>
+                <a:effectLst/>
+                <a:latin typeface="Arial" panose="020B0604020202020204" pitchFamily="34" charset="0"/>
+              </a:rPr>
+              <a:t>improved</a:t>
+            </a:r>
+            <a:r>
+              <a:rPr lang="en-US" sz="4500" b="0" i="0" u="none" strike="noStrike" dirty="0">
+                <a:solidFill>
+                  <a:srgbClr val="000000"/>
+                </a:solidFill>
+                <a:effectLst/>
+                <a:latin typeface="Arial" panose="020B0604020202020204" pitchFamily="34" charset="0"/>
+              </a:rPr>
+              <a:t>. </a:t>
+            </a:r>
+          </a:p>
+          <a:p>
+            <a:pPr marL="137160" eaLnBrk="1" hangingPunct="1">
+              <a:lnSpc>
+                <a:spcPct val="90000"/>
+              </a:lnSpc>
+              <a:defRPr/>
+            </a:pPr>
+            <a:endParaRPr lang="en-US" sz="4500" dirty="0">
               <a:latin typeface="Arial" charset="0"/>
             </a:endParaRPr>
           </a:p>
           <a:p>
-            <a:pPr marL="571500" indent="-571500" rtl="0" fontAlgn="base">
-              <a:spcBef>
-                <a:spcPts val="0"/>
-              </a:spcBef>
-              <a:spcAft>
-                <a:spcPts val="0"/>
-              </a:spcAft>
+            <a:pPr marL="137160" eaLnBrk="1" hangingPunct="1">
+              <a:lnSpc>
+                <a:spcPct val="90000"/>
+              </a:lnSpc>
+              <a:defRPr/>
+            </a:pPr>
+            <a:endParaRPr lang="en-US" sz="4500" dirty="0">
+              <a:latin typeface="Arial" charset="0"/>
+            </a:endParaRPr>
+          </a:p>
+          <a:p>
+            <a:pPr marL="137160" eaLnBrk="1" hangingPunct="1">
+              <a:lnSpc>
+                <a:spcPct val="90000"/>
+              </a:lnSpc>
+              <a:defRPr/>
+            </a:pPr>
+            <a:endParaRPr lang="en-US" sz="4500" dirty="0">
+              <a:latin typeface="Arial" charset="0"/>
+            </a:endParaRPr>
+          </a:p>
+          <a:p>
+            <a:pPr marL="137160" eaLnBrk="1" hangingPunct="1">
+              <a:lnSpc>
+                <a:spcPct val="90000"/>
+              </a:lnSpc>
+              <a:defRPr/>
+            </a:pPr>
+            <a:endParaRPr lang="en-US" sz="800" dirty="0">
+              <a:latin typeface="Arial" charset="0"/>
+            </a:endParaRPr>
+          </a:p>
+          <a:p>
+            <a:pPr marL="137160" eaLnBrk="1" hangingPunct="1">
+              <a:lnSpc>
+                <a:spcPct val="90000"/>
+              </a:lnSpc>
+              <a:defRPr/>
+            </a:pPr>
+            <a:endParaRPr lang="en-US" sz="800" dirty="0">
+              <a:latin typeface="Arial" charset="0"/>
+            </a:endParaRPr>
+          </a:p>
+          <a:p>
+            <a:pPr marL="137160" eaLnBrk="1" hangingPunct="1">
+              <a:lnSpc>
+                <a:spcPct val="90000"/>
+              </a:lnSpc>
+              <a:defRPr/>
+            </a:pPr>
+            <a:endParaRPr lang="en-US" sz="800" dirty="0">
+              <a:latin typeface="Arial" charset="0"/>
+            </a:endParaRPr>
+          </a:p>
+          <a:p>
+            <a:pPr marL="137160" eaLnBrk="1" hangingPunct="1">
+              <a:lnSpc>
+                <a:spcPct val="90000"/>
+              </a:lnSpc>
+              <a:defRPr/>
+            </a:pPr>
+            <a:endParaRPr lang="en-US" sz="800" dirty="0">
+              <a:latin typeface="Arial" charset="0"/>
+            </a:endParaRPr>
+          </a:p>
+          <a:p>
+            <a:pPr marL="137160" eaLnBrk="1" hangingPunct="1">
+              <a:lnSpc>
+                <a:spcPct val="90000"/>
+              </a:lnSpc>
+              <a:defRPr/>
+            </a:pPr>
+            <a:endParaRPr lang="en-US" sz="800" dirty="0">
+              <a:latin typeface="Arial" charset="0"/>
+            </a:endParaRPr>
+          </a:p>
+          <a:p>
+            <a:pPr marL="137160" eaLnBrk="1" hangingPunct="1">
+              <a:lnSpc>
+                <a:spcPct val="90000"/>
+              </a:lnSpc>
+              <a:defRPr/>
+            </a:pPr>
+            <a:endParaRPr lang="en-US" sz="800" dirty="0">
+              <a:latin typeface="Arial" charset="0"/>
+            </a:endParaRPr>
+          </a:p>
+          <a:p>
+            <a:pPr marL="137160" eaLnBrk="1" hangingPunct="1">
+              <a:lnSpc>
+                <a:spcPct val="90000"/>
+              </a:lnSpc>
+              <a:defRPr/>
+            </a:pPr>
+            <a:endParaRPr lang="en-US" sz="800" dirty="0">
+              <a:latin typeface="Arial" charset="0"/>
+            </a:endParaRPr>
+          </a:p>
+          <a:p>
+            <a:pPr marL="137160" eaLnBrk="1" hangingPunct="1">
+              <a:lnSpc>
+                <a:spcPct val="90000"/>
+              </a:lnSpc>
+              <a:defRPr/>
+            </a:pPr>
+            <a:endParaRPr lang="en-US" sz="800" dirty="0">
+              <a:latin typeface="Arial" charset="0"/>
+            </a:endParaRPr>
+          </a:p>
+          <a:p>
+            <a:pPr marL="137160" eaLnBrk="1" hangingPunct="1">
+              <a:lnSpc>
+                <a:spcPct val="90000"/>
+              </a:lnSpc>
+              <a:defRPr/>
+            </a:pPr>
+            <a:endParaRPr lang="en-US" sz="800" dirty="0">
+              <a:latin typeface="Arial" charset="0"/>
+            </a:endParaRPr>
+          </a:p>
+          <a:p>
+            <a:pPr marL="137160" eaLnBrk="1" hangingPunct="1">
+              <a:lnSpc>
+                <a:spcPct val="90000"/>
+              </a:lnSpc>
+              <a:defRPr/>
+            </a:pPr>
+            <a:endParaRPr lang="en-US" sz="800" dirty="0">
+              <a:latin typeface="Arial" charset="0"/>
+            </a:endParaRPr>
+          </a:p>
+          <a:p>
+            <a:pPr marL="137160" eaLnBrk="1" hangingPunct="1">
+              <a:lnSpc>
+                <a:spcPct val="90000"/>
+              </a:lnSpc>
+              <a:defRPr/>
+            </a:pPr>
+            <a:endParaRPr lang="en-US" sz="800" dirty="0">
+              <a:latin typeface="Arial" charset="0"/>
+            </a:endParaRPr>
+          </a:p>
+          <a:p>
+            <a:pPr marL="137160" eaLnBrk="1" hangingPunct="1">
+              <a:lnSpc>
+                <a:spcPct val="90000"/>
+              </a:lnSpc>
+              <a:defRPr/>
+            </a:pPr>
+            <a:endParaRPr lang="en-US" sz="800" dirty="0">
+              <a:latin typeface="Arial" charset="0"/>
+            </a:endParaRPr>
+          </a:p>
+          <a:p>
+            <a:pPr marL="137160" eaLnBrk="1" hangingPunct="1">
+              <a:lnSpc>
+                <a:spcPct val="90000"/>
+              </a:lnSpc>
+              <a:defRPr/>
+            </a:pPr>
+            <a:endParaRPr lang="en-US" sz="800" dirty="0">
+              <a:latin typeface="Arial" charset="0"/>
+            </a:endParaRPr>
+          </a:p>
+          <a:p>
+            <a:pPr marL="137160" eaLnBrk="1" hangingPunct="1">
+              <a:lnSpc>
+                <a:spcPct val="90000"/>
+              </a:lnSpc>
+              <a:defRPr/>
+            </a:pPr>
+            <a:endParaRPr lang="en-US" sz="800" dirty="0">
+              <a:latin typeface="Arial" charset="0"/>
+            </a:endParaRPr>
+          </a:p>
+          <a:p>
+            <a:pPr marL="137160" eaLnBrk="1" hangingPunct="1">
+              <a:lnSpc>
+                <a:spcPct val="90000"/>
+              </a:lnSpc>
+              <a:defRPr/>
+            </a:pPr>
+            <a:endParaRPr lang="en-US" sz="800" dirty="0">
+              <a:latin typeface="Arial" charset="0"/>
+            </a:endParaRPr>
+          </a:p>
+          <a:p>
+            <a:pPr marL="137160" eaLnBrk="1" hangingPunct="1">
+              <a:lnSpc>
+                <a:spcPct val="90000"/>
+              </a:lnSpc>
+              <a:defRPr/>
+            </a:pPr>
+            <a:endParaRPr lang="en-US" sz="800" dirty="0">
+              <a:latin typeface="Arial" charset="0"/>
+            </a:endParaRPr>
+          </a:p>
+          <a:p>
+            <a:pPr marL="137160" eaLnBrk="1" hangingPunct="1">
+              <a:lnSpc>
+                <a:spcPct val="90000"/>
+              </a:lnSpc>
+              <a:defRPr/>
+            </a:pPr>
+            <a:endParaRPr lang="en-US" sz="800" dirty="0">
+              <a:latin typeface="Arial" charset="0"/>
+            </a:endParaRPr>
+          </a:p>
+          <a:p>
+            <a:pPr marL="137160" eaLnBrk="1" hangingPunct="1">
+              <a:lnSpc>
+                <a:spcPct val="90000"/>
+              </a:lnSpc>
+              <a:defRPr/>
+            </a:pPr>
+            <a:endParaRPr lang="en-US" sz="800" dirty="0">
+              <a:latin typeface="Arial" charset="0"/>
+            </a:endParaRPr>
+          </a:p>
+          <a:p>
+            <a:pPr marL="137160" eaLnBrk="1" hangingPunct="1">
+              <a:lnSpc>
+                <a:spcPct val="90000"/>
+              </a:lnSpc>
+              <a:defRPr/>
+            </a:pPr>
+            <a:endParaRPr lang="en-US" sz="800" dirty="0">
+              <a:latin typeface="Arial" charset="0"/>
+            </a:endParaRPr>
+          </a:p>
+          <a:p>
+            <a:pPr marL="137160" eaLnBrk="1" hangingPunct="1">
+              <a:lnSpc>
+                <a:spcPct val="90000"/>
+              </a:lnSpc>
+              <a:defRPr/>
+            </a:pPr>
+            <a:endParaRPr lang="en-US" sz="4500" dirty="0">
+              <a:latin typeface="Arial" charset="0"/>
+            </a:endParaRPr>
+          </a:p>
+          <a:p>
+            <a:pPr marL="137160" eaLnBrk="1" hangingPunct="1">
+              <a:lnSpc>
+                <a:spcPct val="90000"/>
+              </a:lnSpc>
+              <a:defRPr/>
+            </a:pPr>
+            <a:endParaRPr lang="en-US" sz="4500" dirty="0">
+              <a:latin typeface="Arial" charset="0"/>
+            </a:endParaRPr>
+          </a:p>
+          <a:p>
+            <a:pPr marL="137160" eaLnBrk="1" hangingPunct="1">
+              <a:lnSpc>
+                <a:spcPct val="90000"/>
+              </a:lnSpc>
+              <a:defRPr/>
+            </a:pPr>
+            <a:endParaRPr lang="en-US" sz="4500" dirty="0">
+              <a:latin typeface="Arial" charset="0"/>
+            </a:endParaRPr>
+          </a:p>
+          <a:p>
+            <a:pPr marL="137160" eaLnBrk="1" hangingPunct="1">
+              <a:lnSpc>
+                <a:spcPct val="90000"/>
+              </a:lnSpc>
+              <a:defRPr/>
+            </a:pPr>
+            <a:endParaRPr lang="en-US" sz="4500" dirty="0">
+              <a:latin typeface="Arial" charset="0"/>
+            </a:endParaRPr>
+          </a:p>
+          <a:p>
+            <a:pPr marL="137160" eaLnBrk="1" hangingPunct="1">
+              <a:lnSpc>
+                <a:spcPct val="90000"/>
+              </a:lnSpc>
+              <a:defRPr/>
+            </a:pPr>
+            <a:endParaRPr lang="en-US" sz="1400" dirty="0">
+              <a:latin typeface="Arial" charset="0"/>
+            </a:endParaRPr>
+          </a:p>
+          <a:p>
+            <a:pPr marL="422910" indent="-285750" eaLnBrk="1" hangingPunct="1">
+              <a:lnSpc>
+                <a:spcPct val="90000"/>
+              </a:lnSpc>
               <a:buFont typeface="Arial" panose="020B0604020202020204" pitchFamily="34" charset="0"/>
               <a:buChar char="•"/>
-            </a:pPr>
-            <a:endParaRPr lang="en-US" sz="4500" dirty="0">
-              <a:solidFill>
-                <a:srgbClr val="000000"/>
-              </a:solidFill>
+              <a:defRPr/>
+            </a:pPr>
+            <a:endParaRPr lang="en-US" sz="1400" dirty="0">
               <a:latin typeface="Arial" charset="0"/>
             </a:endParaRPr>
           </a:p>
-          <a:p>
-            <a:pPr marL="571500" indent="-571500" rtl="0" fontAlgn="base">
-              <a:spcBef>
-                <a:spcPts val="0"/>
-              </a:spcBef>
-              <a:spcAft>
-                <a:spcPts val="0"/>
-              </a:spcAft>
-              <a:buFont typeface="Arial" panose="020B0604020202020204" pitchFamily="34" charset="0"/>
-              <a:buChar char="•"/>
-            </a:pPr>
-            <a:endParaRPr lang="en-US" sz="4500" b="0" i="0" u="none" strike="noStrike" dirty="0">
-              <a:solidFill>
-                <a:srgbClr val="000000"/>
-              </a:solidFill>
-              <a:effectLst/>
-              <a:latin typeface="Arial" charset="0"/>
-            </a:endParaRPr>
-          </a:p>
-          <a:p>
-            <a:pPr marL="571500" indent="-571500" rtl="0" fontAlgn="base">
-              <a:spcBef>
-                <a:spcPts val="0"/>
-              </a:spcBef>
-              <a:spcAft>
-                <a:spcPts val="0"/>
-              </a:spcAft>
-              <a:buFont typeface="Arial" panose="020B0604020202020204" pitchFamily="34" charset="0"/>
-              <a:buChar char="•"/>
-            </a:pPr>
-            <a:endParaRPr lang="en-US" sz="4500" dirty="0">
-              <a:solidFill>
-                <a:srgbClr val="000000"/>
-              </a:solidFill>
-              <a:latin typeface="Arial" charset="0"/>
-            </a:endParaRPr>
-          </a:p>
-          <a:p>
-            <a:pPr marL="571500" indent="-571500" rtl="0" fontAlgn="base">
-              <a:spcBef>
-                <a:spcPts val="0"/>
-              </a:spcBef>
-              <a:spcAft>
-                <a:spcPts val="0"/>
-              </a:spcAft>
-              <a:buFont typeface="Arial" panose="020B0604020202020204" pitchFamily="34" charset="0"/>
-              <a:buChar char="•"/>
-            </a:pPr>
-            <a:endParaRPr lang="en-US" sz="4500" b="0" i="0" u="none" strike="noStrike" dirty="0">
-              <a:solidFill>
-                <a:srgbClr val="000000"/>
-              </a:solidFill>
-              <a:effectLst/>
-              <a:latin typeface="Arial" charset="0"/>
-            </a:endParaRPr>
-          </a:p>
-          <a:p>
-            <a:pPr marL="571500" indent="-571500" rtl="0" fontAlgn="base">
-              <a:spcBef>
-                <a:spcPts val="0"/>
-              </a:spcBef>
-              <a:spcAft>
-                <a:spcPts val="0"/>
-              </a:spcAft>
-              <a:buFont typeface="Arial" panose="020B0604020202020204" pitchFamily="34" charset="0"/>
-              <a:buChar char="•"/>
-            </a:pPr>
-            <a:endParaRPr lang="en-US" sz="4500" dirty="0">
-              <a:solidFill>
-                <a:srgbClr val="000000"/>
-              </a:solidFill>
-              <a:latin typeface="Arial" charset="0"/>
-            </a:endParaRPr>
-          </a:p>
-          <a:p>
-            <a:pPr marL="571500" indent="-571500" rtl="0" fontAlgn="base">
-              <a:spcBef>
-                <a:spcPts val="0"/>
-              </a:spcBef>
-              <a:spcAft>
-                <a:spcPts val="0"/>
-              </a:spcAft>
-              <a:buFont typeface="Arial" panose="020B0604020202020204" pitchFamily="34" charset="0"/>
-              <a:buChar char="•"/>
-            </a:pPr>
-            <a:endParaRPr lang="en-US" sz="4500" b="0" i="0" u="none" strike="noStrike" dirty="0">
-              <a:solidFill>
-                <a:srgbClr val="000000"/>
-              </a:solidFill>
-              <a:effectLst/>
-              <a:latin typeface="Arial" charset="0"/>
-            </a:endParaRPr>
-          </a:p>
-          <a:p>
-            <a:pPr marL="571500" indent="-571500" rtl="0" fontAlgn="base">
-              <a:spcBef>
-                <a:spcPts val="0"/>
-              </a:spcBef>
-              <a:spcAft>
-                <a:spcPts val="0"/>
-              </a:spcAft>
-              <a:buFont typeface="Arial" panose="020B0604020202020204" pitchFamily="34" charset="0"/>
-              <a:buChar char="•"/>
-            </a:pPr>
-            <a:endParaRPr lang="en-US" sz="4500" dirty="0">
-              <a:solidFill>
-                <a:srgbClr val="000000"/>
-              </a:solidFill>
-              <a:latin typeface="Arial" charset="0"/>
-            </a:endParaRPr>
-          </a:p>
-          <a:p>
-            <a:pPr marL="571500" indent="-571500" rtl="0" fontAlgn="base">
-              <a:spcBef>
-                <a:spcPts val="0"/>
-              </a:spcBef>
-              <a:spcAft>
-                <a:spcPts val="0"/>
-              </a:spcAft>
-              <a:buFont typeface="Arial" panose="020B0604020202020204" pitchFamily="34" charset="0"/>
-              <a:buChar char="•"/>
-            </a:pPr>
-            <a:endParaRPr lang="en-US" sz="4500" b="0" i="0" u="none" strike="noStrike" dirty="0">
-              <a:solidFill>
-                <a:srgbClr val="000000"/>
-              </a:solidFill>
-              <a:effectLst/>
-              <a:latin typeface="Arial" charset="0"/>
-            </a:endParaRPr>
-          </a:p>
-          <a:p>
-            <a:pPr marL="571500" indent="-571500" rtl="0" fontAlgn="base">
-              <a:spcBef>
-                <a:spcPts val="0"/>
-              </a:spcBef>
-              <a:spcAft>
-                <a:spcPts val="0"/>
-              </a:spcAft>
-              <a:buFont typeface="Arial" panose="020B0604020202020204" pitchFamily="34" charset="0"/>
-              <a:buChar char="•"/>
-            </a:pPr>
-            <a:endParaRPr lang="en-US" sz="4500" dirty="0">
-              <a:solidFill>
-                <a:srgbClr val="000000"/>
-              </a:solidFill>
-              <a:latin typeface="Arial" charset="0"/>
-            </a:endParaRPr>
-          </a:p>
-          <a:p>
-            <a:pPr marL="571500" indent="-571500" rtl="0" fontAlgn="base">
-              <a:spcBef>
-                <a:spcPts val="0"/>
-              </a:spcBef>
-              <a:spcAft>
-                <a:spcPts val="0"/>
-              </a:spcAft>
-              <a:buFont typeface="Arial" panose="020B0604020202020204" pitchFamily="34" charset="0"/>
-              <a:buChar char="•"/>
-            </a:pPr>
-            <a:endParaRPr lang="en-US" sz="4500" b="0" i="0" u="none" strike="noStrike" dirty="0">
-              <a:solidFill>
-                <a:srgbClr val="000000"/>
-              </a:solidFill>
-              <a:effectLst/>
-              <a:latin typeface="Arial" charset="0"/>
-            </a:endParaRPr>
-          </a:p>
-          <a:p>
-            <a:pPr marL="571500" indent="-571500" rtl="0" fontAlgn="base">
-              <a:spcBef>
-                <a:spcPts val="0"/>
-              </a:spcBef>
-              <a:spcAft>
-                <a:spcPts val="0"/>
-              </a:spcAft>
-              <a:buFont typeface="Arial" panose="020B0604020202020204" pitchFamily="34" charset="0"/>
-              <a:buChar char="•"/>
-            </a:pPr>
-            <a:endParaRPr lang="en-US" sz="4500" dirty="0">
-              <a:solidFill>
-                <a:srgbClr val="000000"/>
-              </a:solidFill>
-              <a:latin typeface="Arial" charset="0"/>
-            </a:endParaRPr>
-          </a:p>
-          <a:p>
-            <a:pPr marL="571500" indent="-571500" rtl="0" fontAlgn="base">
-              <a:spcBef>
-                <a:spcPts val="0"/>
-              </a:spcBef>
-              <a:spcAft>
-                <a:spcPts val="0"/>
-              </a:spcAft>
-              <a:buFont typeface="Arial" panose="020B0604020202020204" pitchFamily="34" charset="0"/>
-              <a:buChar char="•"/>
-            </a:pPr>
-            <a:endParaRPr lang="en-US" sz="4500" b="0" i="0" u="none" strike="noStrike" dirty="0">
-              <a:solidFill>
-                <a:srgbClr val="000000"/>
-              </a:solidFill>
-              <a:effectLst/>
-              <a:latin typeface="Arial" charset="0"/>
-            </a:endParaRPr>
-          </a:p>
-          <a:p>
-            <a:pPr marL="571500" indent="-571500" rtl="0" fontAlgn="base">
-              <a:spcBef>
-                <a:spcPts val="0"/>
-              </a:spcBef>
-              <a:spcAft>
-                <a:spcPts val="0"/>
-              </a:spcAft>
-              <a:buFont typeface="Arial" panose="020B0604020202020204" pitchFamily="34" charset="0"/>
-              <a:buChar char="•"/>
-            </a:pPr>
-            <a:endParaRPr lang="en-US" sz="4500" dirty="0">
-              <a:solidFill>
-                <a:srgbClr val="000000"/>
-              </a:solidFill>
-              <a:latin typeface="Arial" charset="0"/>
-            </a:endParaRPr>
-          </a:p>
-          <a:p>
-            <a:pPr marL="571500" indent="-571500" rtl="0" fontAlgn="base">
-              <a:spcBef>
-                <a:spcPts val="0"/>
-              </a:spcBef>
-              <a:spcAft>
-                <a:spcPts val="0"/>
-              </a:spcAft>
-              <a:buFont typeface="Arial" panose="020B0604020202020204" pitchFamily="34" charset="0"/>
-              <a:buChar char="•"/>
-            </a:pPr>
-            <a:endParaRPr lang="en-US" sz="4500" b="0" i="0" u="none" strike="noStrike" dirty="0">
-              <a:solidFill>
-                <a:srgbClr val="000000"/>
-              </a:solidFill>
-              <a:effectLst/>
-              <a:latin typeface="Arial" charset="0"/>
-            </a:endParaRPr>
-          </a:p>
-          <a:p>
-            <a:pPr marL="571500" indent="-571500" rtl="0" fontAlgn="base">
-              <a:spcBef>
-                <a:spcPts val="0"/>
-              </a:spcBef>
-              <a:spcAft>
-                <a:spcPts val="0"/>
-              </a:spcAft>
-              <a:buFont typeface="Arial" panose="020B0604020202020204" pitchFamily="34" charset="0"/>
-              <a:buChar char="•"/>
-            </a:pPr>
-            <a:endParaRPr lang="en-US" sz="4500" dirty="0">
-              <a:solidFill>
-                <a:srgbClr val="000000"/>
-              </a:solidFill>
-              <a:latin typeface="Arial" charset="0"/>
-            </a:endParaRPr>
-          </a:p>
-          <a:p>
-            <a:pPr marL="571500" indent="-571500" rtl="0" fontAlgn="base">
-              <a:spcBef>
-                <a:spcPts val="0"/>
-              </a:spcBef>
-              <a:spcAft>
-                <a:spcPts val="0"/>
-              </a:spcAft>
-              <a:buFont typeface="Arial" panose="020B0604020202020204" pitchFamily="34" charset="0"/>
-              <a:buChar char="•"/>
-            </a:pPr>
-            <a:endParaRPr lang="en-US" sz="4500" b="0" i="0" u="none" strike="noStrike" dirty="0">
-              <a:solidFill>
-                <a:srgbClr val="000000"/>
-              </a:solidFill>
-              <a:effectLst/>
-              <a:latin typeface="Arial" charset="0"/>
-            </a:endParaRPr>
-          </a:p>
         </p:txBody>
       </p:sp>
+      <p:pic>
+        <p:nvPicPr>
+          <p:cNvPr id="18" name="Picture 17">
+            <a:extLst>
+              <a:ext uri="{FF2B5EF4-FFF2-40B4-BE49-F238E27FC236}">
+                <a16:creationId xmlns:a16="http://schemas.microsoft.com/office/drawing/2014/main" id="{106101E8-5979-3D24-245D-70165E819A0B}"/>
+              </a:ext>
+            </a:extLst>
+          </p:cNvPr>
+          <p:cNvPicPr>
+            <a:picLocks noChangeAspect="1"/>
+          </p:cNvPicPr>
+          <p:nvPr/>
+        </p:nvPicPr>
+        <p:blipFill rotWithShape="1">
+          <a:blip r:embed="rId7"/>
+          <a:srcRect l="5916" t="5629" r="5916" b="4619"/>
+          <a:stretch/>
+        </p:blipFill>
+        <p:spPr>
+          <a:xfrm>
+            <a:off x="28668226" y="22566057"/>
+            <a:ext cx="14887926" cy="7577671"/>
+          </a:xfrm>
+          <a:prstGeom prst="rect">
+            <a:avLst/>
+          </a:prstGeom>
+        </p:spPr>
+      </p:pic>
     </p:spTree>
   </p:cSld>
   <p:clrMapOvr>
